--- a/MiniProj.pptx
+++ b/MiniProj.pptx
@@ -5,13 +5,14 @@
     <p:sldMasterId id="2147483648" r:id="rId1"/>
   </p:sldMasterIdLst>
   <p:sldIdLst>
-    <p:sldId id="256" r:id="rId7"/>
-    <p:sldId id="257" r:id="rId8"/>
-    <p:sldId id="258" r:id="rId9"/>
-    <p:sldId id="259" r:id="rId10"/>
-    <p:sldId id="260" r:id="rId11"/>
-    <p:sldId id="261" r:id="rId12"/>
-    <p:sldId id="262" r:id="rId13"/>
+    <p:sldId id="256" r:id="rId2"/>
+    <p:sldId id="263" r:id="rId3"/>
+    <p:sldId id="257" r:id="rId4"/>
+    <p:sldId id="258" r:id="rId5"/>
+    <p:sldId id="259" r:id="rId6"/>
+    <p:sldId id="260" r:id="rId7"/>
+    <p:sldId id="261" r:id="rId8"/>
+    <p:sldId id="262" r:id="rId9"/>
   </p:sldIdLst>
   <p:sldSz cx="9144000" cy="6858000" type="screen4x3"/>
   <p:notesSz cx="6858000" cy="9144000"/>
@@ -110,6 +111,22 @@
       </a:defRPr>
     </a:lvl9pPr>
   </p:defaultTextStyle>
+  <p:extLst>
+    <p:ext uri="{EFAFB233-063F-42B5-8137-9DF3F51BA10A}">
+      <p15:sldGuideLst xmlns:p15="http://schemas.microsoft.com/office/powerpoint/2012/main">
+        <p15:guide id="1" orient="horz" pos="2160">
+          <p15:clr>
+            <a:srgbClr val="A4A3A4"/>
+          </p15:clr>
+        </p15:guide>
+        <p15:guide id="2" pos="2880">
+          <p15:clr>
+            <a:srgbClr val="A4A3A4"/>
+          </p15:clr>
+        </p15:guide>
+      </p15:sldGuideLst>
+    </p:ext>
+  </p:extLst>
 </p:presentation>
 </file>
 
@@ -151,10 +168,9 @@
           <a:lstStyle/>
           <a:p>
             <a:r>
-              <a:rPr lang="en-US" smtClean="0"/>
+              <a:rPr lang="en-US"/>
               <a:t>Click to edit Master title style</a:t>
             </a:r>
-            <a:endParaRPr lang="en-US"/>
           </a:p>
         </p:txBody>
       </p:sp>
@@ -270,10 +286,9 @@
           </a:lstStyle>
           <a:p>
             <a:r>
-              <a:rPr lang="en-US" smtClean="0"/>
+              <a:rPr lang="en-US"/>
               <a:t>Click to edit Master subtitle style</a:t>
             </a:r>
-            <a:endParaRPr lang="en-US"/>
           </a:p>
         </p:txBody>
       </p:sp>
@@ -294,7 +309,7 @@
           <a:p>
             <a:fld id="{5BCAD085-E8A6-8845-BD4E-CB4CCA059FC4}" type="datetimeFigureOut">
               <a:rPr lang="en-US" smtClean="0"/>
-              <a:t>1/27/13</a:t>
+              <a:t>2/26/2024</a:t>
             </a:fld>
             <a:endParaRPr lang="en-US"/>
           </a:p>
@@ -388,10 +403,9 @@
           <a:lstStyle/>
           <a:p>
             <a:r>
-              <a:rPr lang="en-US" smtClean="0"/>
+              <a:rPr lang="en-US"/>
               <a:t>Click to edit Master title style</a:t>
             </a:r>
-            <a:endParaRPr lang="en-US"/>
           </a:p>
         </p:txBody>
       </p:sp>
@@ -412,38 +426,37 @@
           <a:p>
             <a:pPr lvl="0"/>
             <a:r>
-              <a:rPr lang="en-US" smtClean="0"/>
+              <a:rPr lang="en-US"/>
               <a:t>Click to edit Master text styles</a:t>
             </a:r>
           </a:p>
           <a:p>
             <a:pPr lvl="1"/>
             <a:r>
-              <a:rPr lang="en-US" smtClean="0"/>
+              <a:rPr lang="en-US"/>
               <a:t>Second level</a:t>
             </a:r>
           </a:p>
           <a:p>
             <a:pPr lvl="2"/>
             <a:r>
-              <a:rPr lang="en-US" smtClean="0"/>
+              <a:rPr lang="en-US"/>
               <a:t>Third level</a:t>
             </a:r>
           </a:p>
           <a:p>
             <a:pPr lvl="3"/>
             <a:r>
-              <a:rPr lang="en-US" smtClean="0"/>
+              <a:rPr lang="en-US"/>
               <a:t>Fourth level</a:t>
             </a:r>
           </a:p>
           <a:p>
             <a:pPr lvl="4"/>
             <a:r>
-              <a:rPr lang="en-US" smtClean="0"/>
+              <a:rPr lang="en-US"/>
               <a:t>Fifth level</a:t>
             </a:r>
-            <a:endParaRPr lang="en-US"/>
           </a:p>
         </p:txBody>
       </p:sp>
@@ -464,7 +477,7 @@
           <a:p>
             <a:fld id="{5BCAD085-E8A6-8845-BD4E-CB4CCA059FC4}" type="datetimeFigureOut">
               <a:rPr lang="en-US" smtClean="0"/>
-              <a:t>1/27/13</a:t>
+              <a:t>2/26/2024</a:t>
             </a:fld>
             <a:endParaRPr lang="en-US"/>
           </a:p>
@@ -563,10 +576,9 @@
           <a:lstStyle/>
           <a:p>
             <a:r>
-              <a:rPr lang="en-US" smtClean="0"/>
+              <a:rPr lang="en-US"/>
               <a:t>Click to edit Master title style</a:t>
             </a:r>
-            <a:endParaRPr lang="en-US"/>
           </a:p>
         </p:txBody>
       </p:sp>
@@ -592,38 +604,37 @@
           <a:p>
             <a:pPr lvl="0"/>
             <a:r>
-              <a:rPr lang="en-US" smtClean="0"/>
+              <a:rPr lang="en-US"/>
               <a:t>Click to edit Master text styles</a:t>
             </a:r>
           </a:p>
           <a:p>
             <a:pPr lvl="1"/>
             <a:r>
-              <a:rPr lang="en-US" smtClean="0"/>
+              <a:rPr lang="en-US"/>
               <a:t>Second level</a:t>
             </a:r>
           </a:p>
           <a:p>
             <a:pPr lvl="2"/>
             <a:r>
-              <a:rPr lang="en-US" smtClean="0"/>
+              <a:rPr lang="en-US"/>
               <a:t>Third level</a:t>
             </a:r>
           </a:p>
           <a:p>
             <a:pPr lvl="3"/>
             <a:r>
-              <a:rPr lang="en-US" smtClean="0"/>
+              <a:rPr lang="en-US"/>
               <a:t>Fourth level</a:t>
             </a:r>
           </a:p>
           <a:p>
             <a:pPr lvl="4"/>
             <a:r>
-              <a:rPr lang="en-US" smtClean="0"/>
+              <a:rPr lang="en-US"/>
               <a:t>Fifth level</a:t>
             </a:r>
-            <a:endParaRPr lang="en-US"/>
           </a:p>
         </p:txBody>
       </p:sp>
@@ -644,7 +655,7 @@
           <a:p>
             <a:fld id="{5BCAD085-E8A6-8845-BD4E-CB4CCA059FC4}" type="datetimeFigureOut">
               <a:rPr lang="en-US" smtClean="0"/>
-              <a:t>1/27/13</a:t>
+              <a:t>2/26/2024</a:t>
             </a:fld>
             <a:endParaRPr lang="en-US"/>
           </a:p>
@@ -738,10 +749,9 @@
           <a:lstStyle/>
           <a:p>
             <a:r>
-              <a:rPr lang="en-US" smtClean="0"/>
+              <a:rPr lang="en-US"/>
               <a:t>Click to edit Master title style</a:t>
             </a:r>
-            <a:endParaRPr lang="en-US"/>
           </a:p>
         </p:txBody>
       </p:sp>
@@ -762,38 +772,37 @@
           <a:p>
             <a:pPr lvl="0"/>
             <a:r>
-              <a:rPr lang="en-US" smtClean="0"/>
+              <a:rPr lang="en-US"/>
               <a:t>Click to edit Master text styles</a:t>
             </a:r>
           </a:p>
           <a:p>
             <a:pPr lvl="1"/>
             <a:r>
-              <a:rPr lang="en-US" smtClean="0"/>
+              <a:rPr lang="en-US"/>
               <a:t>Second level</a:t>
             </a:r>
           </a:p>
           <a:p>
             <a:pPr lvl="2"/>
             <a:r>
-              <a:rPr lang="en-US" smtClean="0"/>
+              <a:rPr lang="en-US"/>
               <a:t>Third level</a:t>
             </a:r>
           </a:p>
           <a:p>
             <a:pPr lvl="3"/>
             <a:r>
-              <a:rPr lang="en-US" smtClean="0"/>
+              <a:rPr lang="en-US"/>
               <a:t>Fourth level</a:t>
             </a:r>
           </a:p>
           <a:p>
             <a:pPr lvl="4"/>
             <a:r>
-              <a:rPr lang="en-US" smtClean="0"/>
+              <a:rPr lang="en-US"/>
               <a:t>Fifth level</a:t>
             </a:r>
-            <a:endParaRPr lang="en-US"/>
           </a:p>
         </p:txBody>
       </p:sp>
@@ -814,7 +823,7 @@
           <a:p>
             <a:fld id="{5BCAD085-E8A6-8845-BD4E-CB4CCA059FC4}" type="datetimeFigureOut">
               <a:rPr lang="en-US" smtClean="0"/>
-              <a:t>1/27/13</a:t>
+              <a:t>2/26/2024</a:t>
             </a:fld>
             <a:endParaRPr lang="en-US"/>
           </a:p>
@@ -917,10 +926,9 @@
           </a:lstStyle>
           <a:p>
             <a:r>
-              <a:rPr lang="en-US" smtClean="0"/>
+              <a:rPr lang="en-US"/>
               <a:t>Click to edit Master title style</a:t>
             </a:r>
-            <a:endParaRPr lang="en-US"/>
           </a:p>
         </p:txBody>
       </p:sp>
@@ -1037,7 +1045,7 @@
           <a:p>
             <a:pPr lvl="0"/>
             <a:r>
-              <a:rPr lang="en-US" smtClean="0"/>
+              <a:rPr lang="en-US"/>
               <a:t>Click to edit Master text styles</a:t>
             </a:r>
           </a:p>
@@ -1060,7 +1068,7 @@
           <a:p>
             <a:fld id="{5BCAD085-E8A6-8845-BD4E-CB4CCA059FC4}" type="datetimeFigureOut">
               <a:rPr lang="en-US" smtClean="0"/>
-              <a:t>1/27/13</a:t>
+              <a:t>2/26/2024</a:t>
             </a:fld>
             <a:endParaRPr lang="en-US"/>
           </a:p>
@@ -1154,10 +1162,9 @@
           <a:lstStyle/>
           <a:p>
             <a:r>
-              <a:rPr lang="en-US" smtClean="0"/>
+              <a:rPr lang="en-US"/>
               <a:t>Click to edit Master title style</a:t>
             </a:r>
-            <a:endParaRPr lang="en-US"/>
           </a:p>
         </p:txBody>
       </p:sp>
@@ -1211,38 +1218,37 @@
           <a:p>
             <a:pPr lvl="0"/>
             <a:r>
-              <a:rPr lang="en-US" smtClean="0"/>
+              <a:rPr lang="en-US"/>
               <a:t>Click to edit Master text styles</a:t>
             </a:r>
           </a:p>
           <a:p>
             <a:pPr lvl="1"/>
             <a:r>
-              <a:rPr lang="en-US" smtClean="0"/>
+              <a:rPr lang="en-US"/>
               <a:t>Second level</a:t>
             </a:r>
           </a:p>
           <a:p>
             <a:pPr lvl="2"/>
             <a:r>
-              <a:rPr lang="en-US" smtClean="0"/>
+              <a:rPr lang="en-US"/>
               <a:t>Third level</a:t>
             </a:r>
           </a:p>
           <a:p>
             <a:pPr lvl="3"/>
             <a:r>
-              <a:rPr lang="en-US" smtClean="0"/>
+              <a:rPr lang="en-US"/>
               <a:t>Fourth level</a:t>
             </a:r>
           </a:p>
           <a:p>
             <a:pPr lvl="4"/>
             <a:r>
-              <a:rPr lang="en-US" smtClean="0"/>
+              <a:rPr lang="en-US"/>
               <a:t>Fifth level</a:t>
             </a:r>
-            <a:endParaRPr lang="en-US"/>
           </a:p>
         </p:txBody>
       </p:sp>
@@ -1296,38 +1302,37 @@
           <a:p>
             <a:pPr lvl="0"/>
             <a:r>
-              <a:rPr lang="en-US" smtClean="0"/>
+              <a:rPr lang="en-US"/>
               <a:t>Click to edit Master text styles</a:t>
             </a:r>
           </a:p>
           <a:p>
             <a:pPr lvl="1"/>
             <a:r>
-              <a:rPr lang="en-US" smtClean="0"/>
+              <a:rPr lang="en-US"/>
               <a:t>Second level</a:t>
             </a:r>
           </a:p>
           <a:p>
             <a:pPr lvl="2"/>
             <a:r>
-              <a:rPr lang="en-US" smtClean="0"/>
+              <a:rPr lang="en-US"/>
               <a:t>Third level</a:t>
             </a:r>
           </a:p>
           <a:p>
             <a:pPr lvl="3"/>
             <a:r>
-              <a:rPr lang="en-US" smtClean="0"/>
+              <a:rPr lang="en-US"/>
               <a:t>Fourth level</a:t>
             </a:r>
           </a:p>
           <a:p>
             <a:pPr lvl="4"/>
             <a:r>
-              <a:rPr lang="en-US" smtClean="0"/>
+              <a:rPr lang="en-US"/>
               <a:t>Fifth level</a:t>
             </a:r>
-            <a:endParaRPr lang="en-US"/>
           </a:p>
         </p:txBody>
       </p:sp>
@@ -1348,7 +1353,7 @@
           <a:p>
             <a:fld id="{5BCAD085-E8A6-8845-BD4E-CB4CCA059FC4}" type="datetimeFigureOut">
               <a:rPr lang="en-US" smtClean="0"/>
-              <a:t>1/27/13</a:t>
+              <a:t>2/26/2024</a:t>
             </a:fld>
             <a:endParaRPr lang="en-US"/>
           </a:p>
@@ -1446,10 +1451,9 @@
           </a:lstStyle>
           <a:p>
             <a:r>
-              <a:rPr lang="en-US" smtClean="0"/>
+              <a:rPr lang="en-US"/>
               <a:t>Click to edit Master title style</a:t>
             </a:r>
-            <a:endParaRPr lang="en-US"/>
           </a:p>
         </p:txBody>
       </p:sp>
@@ -1512,7 +1516,7 @@
           <a:p>
             <a:pPr lvl="0"/>
             <a:r>
-              <a:rPr lang="en-US" smtClean="0"/>
+              <a:rPr lang="en-US"/>
               <a:t>Click to edit Master text styles</a:t>
             </a:r>
           </a:p>
@@ -1568,38 +1572,37 @@
           <a:p>
             <a:pPr lvl="0"/>
             <a:r>
-              <a:rPr lang="en-US" smtClean="0"/>
+              <a:rPr lang="en-US"/>
               <a:t>Click to edit Master text styles</a:t>
             </a:r>
           </a:p>
           <a:p>
             <a:pPr lvl="1"/>
             <a:r>
-              <a:rPr lang="en-US" smtClean="0"/>
+              <a:rPr lang="en-US"/>
               <a:t>Second level</a:t>
             </a:r>
           </a:p>
           <a:p>
             <a:pPr lvl="2"/>
             <a:r>
-              <a:rPr lang="en-US" smtClean="0"/>
+              <a:rPr lang="en-US"/>
               <a:t>Third level</a:t>
             </a:r>
           </a:p>
           <a:p>
             <a:pPr lvl="3"/>
             <a:r>
-              <a:rPr lang="en-US" smtClean="0"/>
+              <a:rPr lang="en-US"/>
               <a:t>Fourth level</a:t>
             </a:r>
           </a:p>
           <a:p>
             <a:pPr lvl="4"/>
             <a:r>
-              <a:rPr lang="en-US" smtClean="0"/>
+              <a:rPr lang="en-US"/>
               <a:t>Fifth level</a:t>
             </a:r>
-            <a:endParaRPr lang="en-US"/>
           </a:p>
         </p:txBody>
       </p:sp>
@@ -1662,7 +1665,7 @@
           <a:p>
             <a:pPr lvl="0"/>
             <a:r>
-              <a:rPr lang="en-US" smtClean="0"/>
+              <a:rPr lang="en-US"/>
               <a:t>Click to edit Master text styles</a:t>
             </a:r>
           </a:p>
@@ -1718,38 +1721,37 @@
           <a:p>
             <a:pPr lvl="0"/>
             <a:r>
-              <a:rPr lang="en-US" smtClean="0"/>
+              <a:rPr lang="en-US"/>
               <a:t>Click to edit Master text styles</a:t>
             </a:r>
           </a:p>
           <a:p>
             <a:pPr lvl="1"/>
             <a:r>
-              <a:rPr lang="en-US" smtClean="0"/>
+              <a:rPr lang="en-US"/>
               <a:t>Second level</a:t>
             </a:r>
           </a:p>
           <a:p>
             <a:pPr lvl="2"/>
             <a:r>
-              <a:rPr lang="en-US" smtClean="0"/>
+              <a:rPr lang="en-US"/>
               <a:t>Third level</a:t>
             </a:r>
           </a:p>
           <a:p>
             <a:pPr lvl="3"/>
             <a:r>
-              <a:rPr lang="en-US" smtClean="0"/>
+              <a:rPr lang="en-US"/>
               <a:t>Fourth level</a:t>
             </a:r>
           </a:p>
           <a:p>
             <a:pPr lvl="4"/>
             <a:r>
-              <a:rPr lang="en-US" smtClean="0"/>
+              <a:rPr lang="en-US"/>
               <a:t>Fifth level</a:t>
             </a:r>
-            <a:endParaRPr lang="en-US"/>
           </a:p>
         </p:txBody>
       </p:sp>
@@ -1770,7 +1772,7 @@
           <a:p>
             <a:fld id="{5BCAD085-E8A6-8845-BD4E-CB4CCA059FC4}" type="datetimeFigureOut">
               <a:rPr lang="en-US" smtClean="0"/>
-              <a:t>1/27/13</a:t>
+              <a:t>2/26/2024</a:t>
             </a:fld>
             <a:endParaRPr lang="en-US"/>
           </a:p>
@@ -1864,10 +1866,9 @@
           <a:lstStyle/>
           <a:p>
             <a:r>
-              <a:rPr lang="en-US" smtClean="0"/>
+              <a:rPr lang="en-US"/>
               <a:t>Click to edit Master title style</a:t>
             </a:r>
-            <a:endParaRPr lang="en-US"/>
           </a:p>
         </p:txBody>
       </p:sp>
@@ -1888,7 +1889,7 @@
           <a:p>
             <a:fld id="{5BCAD085-E8A6-8845-BD4E-CB4CCA059FC4}" type="datetimeFigureOut">
               <a:rPr lang="en-US" smtClean="0"/>
-              <a:t>1/27/13</a:t>
+              <a:t>2/26/2024</a:t>
             </a:fld>
             <a:endParaRPr lang="en-US"/>
           </a:p>
@@ -1983,7 +1984,7 @@
           <a:p>
             <a:fld id="{5BCAD085-E8A6-8845-BD4E-CB4CCA059FC4}" type="datetimeFigureOut">
               <a:rPr lang="en-US" smtClean="0"/>
-              <a:t>1/27/13</a:t>
+              <a:t>2/26/2024</a:t>
             </a:fld>
             <a:endParaRPr lang="en-US"/>
           </a:p>
@@ -2086,10 +2087,9 @@
           </a:lstStyle>
           <a:p>
             <a:r>
-              <a:rPr lang="en-US" smtClean="0"/>
+              <a:rPr lang="en-US"/>
               <a:t>Click to edit Master title style</a:t>
             </a:r>
-            <a:endParaRPr lang="en-US"/>
           </a:p>
         </p:txBody>
       </p:sp>
@@ -2143,38 +2143,37 @@
           <a:p>
             <a:pPr lvl="0"/>
             <a:r>
-              <a:rPr lang="en-US" smtClean="0"/>
+              <a:rPr lang="en-US"/>
               <a:t>Click to edit Master text styles</a:t>
             </a:r>
           </a:p>
           <a:p>
             <a:pPr lvl="1"/>
             <a:r>
-              <a:rPr lang="en-US" smtClean="0"/>
+              <a:rPr lang="en-US"/>
               <a:t>Second level</a:t>
             </a:r>
           </a:p>
           <a:p>
             <a:pPr lvl="2"/>
             <a:r>
-              <a:rPr lang="en-US" smtClean="0"/>
+              <a:rPr lang="en-US"/>
               <a:t>Third level</a:t>
             </a:r>
           </a:p>
           <a:p>
             <a:pPr lvl="3"/>
             <a:r>
-              <a:rPr lang="en-US" smtClean="0"/>
+              <a:rPr lang="en-US"/>
               <a:t>Fourth level</a:t>
             </a:r>
           </a:p>
           <a:p>
             <a:pPr lvl="4"/>
             <a:r>
-              <a:rPr lang="en-US" smtClean="0"/>
+              <a:rPr lang="en-US"/>
               <a:t>Fifth level</a:t>
             </a:r>
-            <a:endParaRPr lang="en-US"/>
           </a:p>
         </p:txBody>
       </p:sp>
@@ -2237,7 +2236,7 @@
           <a:p>
             <a:pPr lvl="0"/>
             <a:r>
-              <a:rPr lang="en-US" smtClean="0"/>
+              <a:rPr lang="en-US"/>
               <a:t>Click to edit Master text styles</a:t>
             </a:r>
           </a:p>
@@ -2260,7 +2259,7 @@
           <a:p>
             <a:fld id="{5BCAD085-E8A6-8845-BD4E-CB4CCA059FC4}" type="datetimeFigureOut">
               <a:rPr lang="en-US" smtClean="0"/>
-              <a:t>1/27/13</a:t>
+              <a:t>2/26/2024</a:t>
             </a:fld>
             <a:endParaRPr lang="en-US"/>
           </a:p>
@@ -2363,10 +2362,9 @@
           </a:lstStyle>
           <a:p>
             <a:r>
-              <a:rPr lang="en-US" smtClean="0"/>
+              <a:rPr lang="en-US"/>
               <a:t>Click to edit Master title style</a:t>
             </a:r>
-            <a:endParaRPr lang="en-US"/>
           </a:p>
         </p:txBody>
       </p:sp>
@@ -2490,7 +2488,7 @@
           <a:p>
             <a:pPr lvl="0"/>
             <a:r>
-              <a:rPr lang="en-US" smtClean="0"/>
+              <a:rPr lang="en-US"/>
               <a:t>Click to edit Master text styles</a:t>
             </a:r>
           </a:p>
@@ -2513,7 +2511,7 @@
           <a:p>
             <a:fld id="{5BCAD085-E8A6-8845-BD4E-CB4CCA059FC4}" type="datetimeFigureOut">
               <a:rPr lang="en-US" smtClean="0"/>
-              <a:t>1/27/13</a:t>
+              <a:t>2/26/2024</a:t>
             </a:fld>
             <a:endParaRPr lang="en-US"/>
           </a:p>
@@ -2622,10 +2620,9 @@
           <a:lstStyle/>
           <a:p>
             <a:r>
-              <a:rPr lang="en-US" smtClean="0"/>
+              <a:rPr lang="en-US"/>
               <a:t>Click to edit Master title style</a:t>
             </a:r>
-            <a:endParaRPr lang="en-US"/>
           </a:p>
         </p:txBody>
       </p:sp>
@@ -2656,38 +2653,37 @@
           <a:p>
             <a:pPr lvl="0"/>
             <a:r>
-              <a:rPr lang="en-US" smtClean="0"/>
+              <a:rPr lang="en-US"/>
               <a:t>Click to edit Master text styles</a:t>
             </a:r>
           </a:p>
           <a:p>
             <a:pPr lvl="1"/>
             <a:r>
-              <a:rPr lang="en-US" smtClean="0"/>
+              <a:rPr lang="en-US"/>
               <a:t>Second level</a:t>
             </a:r>
           </a:p>
           <a:p>
             <a:pPr lvl="2"/>
             <a:r>
-              <a:rPr lang="en-US" smtClean="0"/>
+              <a:rPr lang="en-US"/>
               <a:t>Third level</a:t>
             </a:r>
           </a:p>
           <a:p>
             <a:pPr lvl="3"/>
             <a:r>
-              <a:rPr lang="en-US" smtClean="0"/>
+              <a:rPr lang="en-US"/>
               <a:t>Fourth level</a:t>
             </a:r>
           </a:p>
           <a:p>
             <a:pPr lvl="4"/>
             <a:r>
-              <a:rPr lang="en-US" smtClean="0"/>
+              <a:rPr lang="en-US"/>
               <a:t>Fifth level</a:t>
             </a:r>
-            <a:endParaRPr lang="en-US"/>
           </a:p>
         </p:txBody>
       </p:sp>
@@ -2726,7 +2722,7 @@
           <a:p>
             <a:fld id="{5BCAD085-E8A6-8845-BD4E-CB4CCA059FC4}" type="datetimeFigureOut">
               <a:rPr lang="en-US" smtClean="0"/>
-              <a:t>1/27/13</a:t>
+              <a:t>2/26/2024</a:t>
             </a:fld>
             <a:endParaRPr lang="en-US"/>
           </a:p>
@@ -3085,7 +3081,7 @@
 </file>
 
 <file path=ppt/slides/slide1.xml><?xml version="1.0" encoding="utf-8"?>
-<p:sld xmlns:a="http://schemas.openxmlformats.org/drawingml/2006/main" xmlns:p="http://schemas.openxmlformats.org/presentationml/2006/main" xmlns:r="http://schemas.openxmlformats.org/officeDocument/2006/relationships">
+<p:sld xmlns:a="http://schemas.openxmlformats.org/drawingml/2006/main" xmlns:r="http://schemas.openxmlformats.org/officeDocument/2006/relationships" xmlns:p="http://schemas.openxmlformats.org/presentationml/2006/main">
   <p:cSld>
     <p:spTree>
       <p:nvGrpSpPr>
@@ -3093,23 +3089,89 @@
         <p:cNvGrpSpPr/>
         <p:nvPr/>
       </p:nvGrpSpPr>
-      <p:grpSpPr/>
-      <p:sp>
-        <p:nvSpPr>
-          <p:cNvPr id="2" name="Title 1"/>
-          <p:cNvSpPr>
-            <a:spLocks noGrp="1"/>
-          </p:cNvSpPr>
-          <p:nvPr>
-            <p:ph type="ctrTitle"/>
-          </p:nvPr>
-        </p:nvSpPr>
-        <p:spPr/>
-        <p:txBody>
-          <a:bodyPr/>
-          <a:lstStyle/>
-          <a:p>
-            <a:r>
+      <p:grpSpPr>
+        <a:xfrm>
+          <a:off x="0" y="0"/>
+          <a:ext cx="0" cy="0"/>
+          <a:chOff x="0" y="0"/>
+          <a:chExt cx="0" cy="0"/>
+        </a:xfrm>
+      </p:grpSpPr>
+      <p:sp>
+        <p:nvSpPr>
+          <p:cNvPr id="3" name="Subtitle 2"/>
+          <p:cNvSpPr>
+            <a:spLocks noGrp="1"/>
+          </p:cNvSpPr>
+          <p:nvPr>
+            <p:ph type="subTitle" idx="1"/>
+          </p:nvPr>
+        </p:nvSpPr>
+        <p:spPr>
+          <a:xfrm>
+            <a:off x="1371600" y="3714642"/>
+            <a:ext cx="6400800" cy="1127127"/>
+          </a:xfrm>
+        </p:spPr>
+        <p:txBody>
+          <a:bodyPr>
+            <a:normAutofit/>
+          </a:bodyPr>
+          <a:lstStyle/>
+          <a:p>
+            <a:r>
+              <a:rPr sz="2400" dirty="0"/>
+              <a:t>An AI-Powered Cyber Truck for Construction Assistance</a:t>
+            </a:r>
+          </a:p>
+        </p:txBody>
+      </p:sp>
+      <p:sp>
+        <p:nvSpPr>
+          <p:cNvPr id="4" name="Title 1">
+            <a:extLst>
+              <a:ext uri="{FF2B5EF4-FFF2-40B4-BE49-F238E27FC236}">
+                <a16:creationId xmlns:a16="http://schemas.microsoft.com/office/drawing/2014/main" id="{E2E40F27-905F-4A5B-0372-D0D16A3B0FA9}"/>
+              </a:ext>
+            </a:extLst>
+          </p:cNvPr>
+          <p:cNvSpPr txBox="1">
+            <a:spLocks/>
+          </p:cNvSpPr>
+          <p:nvPr/>
+        </p:nvSpPr>
+        <p:spPr>
+          <a:xfrm>
+            <a:off x="685800" y="2255598"/>
+            <a:ext cx="7772400" cy="1470025"/>
+          </a:xfrm>
+          <a:prstGeom prst="rect">
+            <a:avLst/>
+          </a:prstGeom>
+        </p:spPr>
+        <p:txBody>
+          <a:bodyPr vert="horz" lIns="91440" tIns="45720" rIns="91440" bIns="45720" rtlCol="0" anchor="ctr">
+            <a:normAutofit/>
+          </a:bodyPr>
+          <a:lstStyle>
+            <a:lvl1pPr algn="ctr" defTabSz="457200" rtl="0" eaLnBrk="1" latinLnBrk="0" hangingPunct="1">
+              <a:spcBef>
+                <a:spcPct val="0"/>
+              </a:spcBef>
+              <a:buNone/>
+              <a:defRPr sz="4400" kern="1200">
+                <a:solidFill>
+                  <a:schemeClr val="tx1"/>
+                </a:solidFill>
+                <a:latin typeface="+mj-lt"/>
+                <a:ea typeface="+mj-ea"/>
+                <a:cs typeface="+mj-cs"/>
+              </a:defRPr>
+            </a:lvl1pPr>
+          </a:lstStyle>
+          <a:p>
+            <a:r>
+              <a:rPr lang="en-US" dirty="0"/>
               <a:t>ACAV: Autonomous Construction Aid Vehicle</a:t>
             </a:r>
           </a:p>
@@ -3117,21 +3179,109 @@
       </p:sp>
       <p:sp>
         <p:nvSpPr>
-          <p:cNvPr id="3" name="Subtitle 2"/>
-          <p:cNvSpPr>
-            <a:spLocks noGrp="1"/>
-          </p:cNvSpPr>
-          <p:nvPr>
-            <p:ph type="subTitle" idx="1"/>
-          </p:nvPr>
-        </p:nvSpPr>
-        <p:spPr/>
-        <p:txBody>
-          <a:bodyPr/>
-          <a:lstStyle/>
-          <a:p>
-            <a:r>
-              <a:t>An AI-Powered Cyber Truck for Construction Assistance</a:t>
+          <p:cNvPr id="5" name="TextBox 4">
+            <a:extLst>
+              <a:ext uri="{FF2B5EF4-FFF2-40B4-BE49-F238E27FC236}">
+                <a16:creationId xmlns:a16="http://schemas.microsoft.com/office/drawing/2014/main" id="{15352DB6-3894-0F8B-474F-FC3D42D5EFAD}"/>
+              </a:ext>
+            </a:extLst>
+          </p:cNvPr>
+          <p:cNvSpPr txBox="1"/>
+          <p:nvPr/>
+        </p:nvSpPr>
+        <p:spPr>
+          <a:xfrm>
+            <a:off x="5913120" y="4602402"/>
+            <a:ext cx="2849691" cy="646331"/>
+          </a:xfrm>
+          <a:prstGeom prst="rect">
+            <a:avLst/>
+          </a:prstGeom>
+          <a:noFill/>
+        </p:spPr>
+        <p:txBody>
+          <a:bodyPr wrap="none" rtlCol="0">
+            <a:spAutoFit/>
+          </a:bodyPr>
+          <a:lstStyle/>
+          <a:p>
+            <a:r>
+              <a:rPr lang="en-US" b="1" dirty="0"/>
+              <a:t>Guide</a:t>
+            </a:r>
+            <a:r>
+              <a:rPr lang="en-US" dirty="0"/>
+              <a:t>: </a:t>
+            </a:r>
+            <a:r>
+              <a:rPr lang="en-US" dirty="0" err="1"/>
+              <a:t>Rejimol</a:t>
+            </a:r>
+            <a:r>
+              <a:rPr lang="en-US" dirty="0"/>
+              <a:t> Robinson R </a:t>
+            </a:r>
+            <a:r>
+              <a:rPr lang="en-US" dirty="0" err="1"/>
+              <a:t>R</a:t>
+            </a:r>
+            <a:endParaRPr lang="en-US" dirty="0"/>
+          </a:p>
+          <a:p>
+            <a:endParaRPr lang="en-US" dirty="0"/>
+          </a:p>
+        </p:txBody>
+      </p:sp>
+      <p:sp>
+        <p:nvSpPr>
+          <p:cNvPr id="6" name="TextBox 5">
+            <a:extLst>
+              <a:ext uri="{FF2B5EF4-FFF2-40B4-BE49-F238E27FC236}">
+                <a16:creationId xmlns:a16="http://schemas.microsoft.com/office/drawing/2014/main" id="{AFAC96A2-A02C-9BD1-B95E-BB94BDD04B8B}"/>
+              </a:ext>
+            </a:extLst>
+          </p:cNvPr>
+          <p:cNvSpPr txBox="1"/>
+          <p:nvPr/>
+        </p:nvSpPr>
+        <p:spPr>
+          <a:xfrm>
+            <a:off x="6381133" y="4925567"/>
+            <a:ext cx="2381678" cy="830997"/>
+          </a:xfrm>
+          <a:prstGeom prst="rect">
+            <a:avLst/>
+          </a:prstGeom>
+          <a:noFill/>
+        </p:spPr>
+        <p:txBody>
+          <a:bodyPr wrap="none" rtlCol="0">
+            <a:spAutoFit/>
+          </a:bodyPr>
+          <a:lstStyle/>
+          <a:p>
+            <a:pPr algn="r"/>
+            <a:r>
+              <a:rPr lang="en-US" sz="1600" b="1" dirty="0"/>
+              <a:t>Team</a:t>
+            </a:r>
+            <a:r>
+              <a:rPr lang="en-US" sz="1600" dirty="0"/>
+              <a:t>: Rahul B S – 351</a:t>
+            </a:r>
+          </a:p>
+          <a:p>
+            <a:pPr algn="r"/>
+            <a:r>
+              <a:rPr lang="en-US" sz="1600" dirty="0"/>
+              <a:t>	   Rohit Francis – 353</a:t>
+            </a:r>
+          </a:p>
+          <a:p>
+            <a:pPr algn="r"/>
+            <a:r>
+              <a:rPr lang="en-US" sz="1600" dirty="0"/>
+              <a:t>	   Salo E S - 354</a:t>
             </a:r>
           </a:p>
         </p:txBody>
@@ -3145,7 +3295,7 @@
 </file>
 
 <file path=ppt/slides/slide2.xml><?xml version="1.0" encoding="utf-8"?>
-<p:sld xmlns:a="http://schemas.openxmlformats.org/drawingml/2006/main" xmlns:p="http://schemas.openxmlformats.org/presentationml/2006/main" xmlns:r="http://schemas.openxmlformats.org/officeDocument/2006/relationships">
+<p:sld xmlns:a="http://schemas.openxmlformats.org/drawingml/2006/main" xmlns:r="http://schemas.openxmlformats.org/officeDocument/2006/relationships" xmlns:p="http://schemas.openxmlformats.org/presentationml/2006/main">
   <p:cSld>
     <p:spTree>
       <p:nvGrpSpPr>
@@ -3153,10 +3303,23 @@
         <p:cNvGrpSpPr/>
         <p:nvPr/>
       </p:nvGrpSpPr>
-      <p:grpSpPr/>
-      <p:sp>
-        <p:nvSpPr>
-          <p:cNvPr id="2" name="Title 1"/>
+      <p:grpSpPr>
+        <a:xfrm>
+          <a:off x="0" y="0"/>
+          <a:ext cx="0" cy="0"/>
+          <a:chOff x="0" y="0"/>
+          <a:chExt cx="0" cy="0"/>
+        </a:xfrm>
+      </p:grpSpPr>
+      <p:sp>
+        <p:nvSpPr>
+          <p:cNvPr id="2" name="Title 1">
+            <a:extLst>
+              <a:ext uri="{FF2B5EF4-FFF2-40B4-BE49-F238E27FC236}">
+                <a16:creationId xmlns:a16="http://schemas.microsoft.com/office/drawing/2014/main" id="{B95B14A2-234D-1849-81D2-129984528D22}"/>
+              </a:ext>
+            </a:extLst>
+          </p:cNvPr>
           <p:cNvSpPr>
             <a:spLocks noGrp="1"/>
           </p:cNvSpPr>
@@ -3170,14 +3333,21 @@
           <a:lstStyle/>
           <a:p>
             <a:r>
-              <a:t>Introduction</a:t>
-            </a:r>
-          </a:p>
-        </p:txBody>
-      </p:sp>
-      <p:sp>
-        <p:nvSpPr>
-          <p:cNvPr id="3" name="Content Placeholder 2"/>
+              <a:rPr lang="en-US" u="sng" dirty="0"/>
+              <a:t>Table of contents</a:t>
+            </a:r>
+          </a:p>
+        </p:txBody>
+      </p:sp>
+      <p:sp>
+        <p:nvSpPr>
+          <p:cNvPr id="3" name="Content Placeholder 2">
+            <a:extLst>
+              <a:ext uri="{FF2B5EF4-FFF2-40B4-BE49-F238E27FC236}">
+                <a16:creationId xmlns:a16="http://schemas.microsoft.com/office/drawing/2014/main" id="{25B3A3CC-507B-08E5-C5F8-FC273534897A}"/>
+              </a:ext>
+            </a:extLst>
+          </p:cNvPr>
           <p:cNvSpPr>
             <a:spLocks noGrp="1"/>
           </p:cNvSpPr>
@@ -3187,21 +3357,72 @@
         </p:nvSpPr>
         <p:spPr/>
         <p:txBody>
-          <a:bodyPr/>
-          <a:lstStyle/>
-          <a:p>
-            <a:r>
-              <a:t>ACAV (Autonomous Construction Aid Vehicle) is a revolutionary AI-powered cyber Truck-like robot designed to assist construction workers by carrying heavy loads efficiently.</a:t>
-            </a:r>
-          </a:p>
-          <a:p>
-            <a:r>
-              <a:t>Detailed explanation goes here to provide context and in-depth information on the topic.</a:t>
+          <a:bodyPr>
+            <a:normAutofit/>
+          </a:bodyPr>
+          <a:lstStyle/>
+          <a:p>
+            <a:pPr marL="0" indent="0">
+              <a:buNone/>
+            </a:pPr>
+            <a:r>
+              <a:rPr lang="en-US" sz="2400" dirty="0"/>
+              <a:t>• Introduction </a:t>
+            </a:r>
+          </a:p>
+          <a:p>
+            <a:pPr marL="0" indent="0">
+              <a:buNone/>
+            </a:pPr>
+            <a:r>
+              <a:rPr lang="en-US" sz="2400" dirty="0"/>
+              <a:t>• Problem Statement </a:t>
+            </a:r>
+          </a:p>
+          <a:p>
+            <a:pPr marL="0" indent="0">
+              <a:buNone/>
+            </a:pPr>
+            <a:r>
+              <a:rPr lang="en-US" sz="2400" dirty="0"/>
+              <a:t>• Literature Survey </a:t>
+            </a:r>
+          </a:p>
+          <a:p>
+            <a:pPr marL="0" indent="0">
+              <a:buNone/>
+            </a:pPr>
+            <a:r>
+              <a:rPr lang="en-US" sz="2400" dirty="0"/>
+              <a:t>• Objectives </a:t>
+            </a:r>
+          </a:p>
+          <a:p>
+            <a:pPr marL="0" indent="0">
+              <a:buNone/>
+            </a:pPr>
+            <a:r>
+              <a:rPr lang="en-US" sz="2400" dirty="0"/>
+              <a:t>• Methodology </a:t>
+            </a:r>
+          </a:p>
+          <a:p>
+            <a:pPr marL="0" indent="0">
+              <a:buNone/>
+            </a:pPr>
+            <a:r>
+              <a:rPr lang="en-US" sz="2400" dirty="0"/>
+              <a:t>• Design</a:t>
             </a:r>
           </a:p>
         </p:txBody>
       </p:sp>
     </p:spTree>
+    <p:extLst>
+      <p:ext uri="{BB962C8B-B14F-4D97-AF65-F5344CB8AC3E}">
+        <p14:creationId xmlns:p14="http://schemas.microsoft.com/office/powerpoint/2010/main" val="1574158595"/>
+      </p:ext>
+    </p:extLst>
   </p:cSld>
   <p:clrMapOvr>
     <a:masterClrMapping/>
@@ -3210,7 +3431,7 @@
 </file>
 
 <file path=ppt/slides/slide3.xml><?xml version="1.0" encoding="utf-8"?>
-<p:sld xmlns:a="http://schemas.openxmlformats.org/drawingml/2006/main" xmlns:p="http://schemas.openxmlformats.org/presentationml/2006/main" xmlns:r="http://schemas.openxmlformats.org/officeDocument/2006/relationships">
+<p:sld xmlns:a="http://schemas.openxmlformats.org/drawingml/2006/main" xmlns:r="http://schemas.openxmlformats.org/officeDocument/2006/relationships" xmlns:p="http://schemas.openxmlformats.org/presentationml/2006/main">
   <p:cSld>
     <p:spTree>
       <p:nvGrpSpPr>
@@ -3218,7 +3439,14 @@
         <p:cNvGrpSpPr/>
         <p:nvPr/>
       </p:nvGrpSpPr>
-      <p:grpSpPr/>
+      <p:grpSpPr>
+        <a:xfrm>
+          <a:off x="0" y="0"/>
+          <a:ext cx="0" cy="0"/>
+          <a:chOff x="0" y="0"/>
+          <a:chExt cx="0" cy="0"/>
+        </a:xfrm>
+      </p:grpSpPr>
       <p:sp>
         <p:nvSpPr>
           <p:cNvPr id="2" name="Title 1"/>
@@ -3235,7 +3463,8 @@
           <a:lstStyle/>
           <a:p>
             <a:r>
-              <a:t>Problem Statement</a:t>
+              <a:rPr dirty="0"/>
+              <a:t>Introduction</a:t>
             </a:r>
           </a:p>
         </p:txBody>
@@ -3256,13 +3485,30 @@
           <a:lstStyle/>
           <a:p>
             <a:r>
-              <a:t>Construction sites often involve heavy lifting, increasing the physical strain on workers and the risk of injury. Additionally, navigating a busy site with loads can be challenging.</a:t>
-            </a:r>
-          </a:p>
-          <a:p>
-            <a:r>
-              <a:t>Detailed explanation goes here to provide context and in-depth information on the topic.</a:t>
-            </a:r>
+              <a:rPr dirty="0"/>
+              <a:t>ACAV (Autonomous Construction Aid Vehicle) is a revolutionary AI-powered cyber Truck-like robot designed to assist construction workers by carrying heavy loads efficiently.</a:t>
+            </a:r>
+          </a:p>
+          <a:p>
+            <a:r>
+              <a:rPr lang="en-US" dirty="0"/>
+              <a:t>This innovative vehicle is equipped to autonomously navigate challenging terrains, ensuring safe material transport in close proximity to workers.</a:t>
+            </a:r>
+          </a:p>
+          <a:p>
+            <a:endParaRPr lang="en-US" dirty="0"/>
+          </a:p>
+          <a:p>
+            <a:endParaRPr lang="en-US" dirty="0"/>
+          </a:p>
+          <a:p>
+            <a:endParaRPr lang="en-US" dirty="0"/>
+          </a:p>
+          <a:p>
+            <a:pPr marL="0" indent="0">
+              <a:buNone/>
+            </a:pPr>
+            <a:endParaRPr lang="en-US" dirty="0"/>
           </a:p>
         </p:txBody>
       </p:sp>
@@ -3275,7 +3521,7 @@
 </file>
 
 <file path=ppt/slides/slide4.xml><?xml version="1.0" encoding="utf-8"?>
-<p:sld xmlns:a="http://schemas.openxmlformats.org/drawingml/2006/main" xmlns:p="http://schemas.openxmlformats.org/presentationml/2006/main" xmlns:r="http://schemas.openxmlformats.org/officeDocument/2006/relationships">
+<p:sld xmlns:a="http://schemas.openxmlformats.org/drawingml/2006/main" xmlns:r="http://schemas.openxmlformats.org/officeDocument/2006/relationships" xmlns:p="http://schemas.openxmlformats.org/presentationml/2006/main">
   <p:cSld>
     <p:spTree>
       <p:nvGrpSpPr>
@@ -3283,7 +3529,14 @@
         <p:cNvGrpSpPr/>
         <p:nvPr/>
       </p:nvGrpSpPr>
-      <p:grpSpPr/>
+      <p:grpSpPr>
+        <a:xfrm>
+          <a:off x="0" y="0"/>
+          <a:ext cx="0" cy="0"/>
+          <a:chOff x="0" y="0"/>
+          <a:chExt cx="0" cy="0"/>
+        </a:xfrm>
+      </p:grpSpPr>
       <p:sp>
         <p:nvSpPr>
           <p:cNvPr id="2" name="Title 1"/>
@@ -3300,7 +3553,7 @@
           <a:lstStyle/>
           <a:p>
             <a:r>
-              <a:t>Literature Survey</a:t>
+              <a:t>Problem Statement</a:t>
             </a:r>
           </a:p>
         </p:txBody>
@@ -3321,7 +3574,7 @@
           <a:lstStyle/>
           <a:p>
             <a:r>
-              <a:t>Existing solutions involve manual labor or vehicles that require human operation. Autonomous vehicles in construction are nascent but have potential for significant impact.</a:t>
+              <a:t>Construction sites often involve heavy lifting, increasing the physical strain on workers and the risk of injury. Additionally, navigating a busy site with loads can be challenging.</a:t>
             </a:r>
           </a:p>
           <a:p>
@@ -3340,7 +3593,7 @@
 </file>
 
 <file path=ppt/slides/slide5.xml><?xml version="1.0" encoding="utf-8"?>
-<p:sld xmlns:a="http://schemas.openxmlformats.org/drawingml/2006/main" xmlns:p="http://schemas.openxmlformats.org/presentationml/2006/main" xmlns:r="http://schemas.openxmlformats.org/officeDocument/2006/relationships">
+<p:sld xmlns:a="http://schemas.openxmlformats.org/drawingml/2006/main" xmlns:r="http://schemas.openxmlformats.org/officeDocument/2006/relationships" xmlns:p="http://schemas.openxmlformats.org/presentationml/2006/main">
   <p:cSld>
     <p:spTree>
       <p:nvGrpSpPr>
@@ -3348,7 +3601,14 @@
         <p:cNvGrpSpPr/>
         <p:nvPr/>
       </p:nvGrpSpPr>
-      <p:grpSpPr/>
+      <p:grpSpPr>
+        <a:xfrm>
+          <a:off x="0" y="0"/>
+          <a:ext cx="0" cy="0"/>
+          <a:chOff x="0" y="0"/>
+          <a:chExt cx="0" cy="0"/>
+        </a:xfrm>
+      </p:grpSpPr>
       <p:sp>
         <p:nvSpPr>
           <p:cNvPr id="2" name="Title 1"/>
@@ -3365,7 +3625,7 @@
           <a:lstStyle/>
           <a:p>
             <a:r>
-              <a:t>Objectives</a:t>
+              <a:t>Literature Survey</a:t>
             </a:r>
           </a:p>
         </p:txBody>
@@ -3386,7 +3646,7 @@
           <a:lstStyle/>
           <a:p>
             <a:r>
-              <a:t>The goal is to create an autonomous vehicle that aids construction workers by following them using AI for localization and recognition and responds to hand gestures for commands.</a:t>
+              <a:t>Existing solutions involve manual labor or vehicles that require human operation. Autonomous vehicles in construction are nascent but have potential for significant impact.</a:t>
             </a:r>
           </a:p>
           <a:p>
@@ -3405,7 +3665,7 @@
 </file>
 
 <file path=ppt/slides/slide6.xml><?xml version="1.0" encoding="utf-8"?>
-<p:sld xmlns:a="http://schemas.openxmlformats.org/drawingml/2006/main" xmlns:p="http://schemas.openxmlformats.org/presentationml/2006/main" xmlns:r="http://schemas.openxmlformats.org/officeDocument/2006/relationships">
+<p:sld xmlns:a="http://schemas.openxmlformats.org/drawingml/2006/main" xmlns:r="http://schemas.openxmlformats.org/officeDocument/2006/relationships" xmlns:p="http://schemas.openxmlformats.org/presentationml/2006/main">
   <p:cSld>
     <p:spTree>
       <p:nvGrpSpPr>
@@ -3413,7 +3673,14 @@
         <p:cNvGrpSpPr/>
         <p:nvPr/>
       </p:nvGrpSpPr>
-      <p:grpSpPr/>
+      <p:grpSpPr>
+        <a:xfrm>
+          <a:off x="0" y="0"/>
+          <a:ext cx="0" cy="0"/>
+          <a:chOff x="0" y="0"/>
+          <a:chExt cx="0" cy="0"/>
+        </a:xfrm>
+      </p:grpSpPr>
       <p:sp>
         <p:nvSpPr>
           <p:cNvPr id="2" name="Title 1"/>
@@ -3430,7 +3697,8 @@
           <a:lstStyle/>
           <a:p>
             <a:r>
-              <a:t>Methodology</a:t>
+              <a:rPr dirty="0"/>
+              <a:t>Objectives</a:t>
             </a:r>
           </a:p>
         </p:txBody>
@@ -3447,16 +3715,128 @@
         </p:nvSpPr>
         <p:spPr/>
         <p:txBody>
-          <a:bodyPr/>
-          <a:lstStyle/>
-          <a:p>
-            <a:r>
-              <a:t>We plan to use Yolov3 for real-time object localization to identify workers on site. Workers will have aruco markers embedded in their uniforms for precise location tracking.</a:t>
-            </a:r>
-          </a:p>
-          <a:p>
-            <a:r>
-              <a:t>Detailed explanation goes here to provide context and in-depth information on the topic.</a:t>
+          <a:bodyPr>
+            <a:normAutofit fontScale="55000" lnSpcReduction="20000"/>
+          </a:bodyPr>
+          <a:lstStyle/>
+          <a:p>
+            <a:pPr algn="l">
+              <a:buFont typeface="+mj-lt"/>
+              <a:buAutoNum type="arabicPeriod"/>
+            </a:pPr>
+            <a:r>
+              <a:rPr lang="en-US" b="1" i="0" dirty="0">
+                <a:effectLst/>
+                <a:latin typeface="Söhne"/>
+              </a:rPr>
+              <a:t>Enhanced Worker Safety</a:t>
+            </a:r>
+            <a:r>
+              <a:rPr lang="en-US" b="0" i="0" dirty="0">
+                <a:effectLst/>
+                <a:latin typeface="Söhne"/>
+              </a:rPr>
+              <a:t>: Improve safety by automating heavy load carrying tasks, reducing the risk of injuries for construction workers.</a:t>
+            </a:r>
+          </a:p>
+          <a:p>
+            <a:pPr algn="l">
+              <a:buFont typeface="+mj-lt"/>
+              <a:buAutoNum type="arabicPeriod"/>
+            </a:pPr>
+            <a:r>
+              <a:rPr lang="en-US" b="1" i="0" dirty="0">
+                <a:effectLst/>
+                <a:latin typeface="Söhne"/>
+              </a:rPr>
+              <a:t>Efficiency and Productivity</a:t>
+            </a:r>
+            <a:r>
+              <a:rPr lang="en-US" b="0" i="0" dirty="0">
+                <a:effectLst/>
+                <a:latin typeface="Söhne"/>
+              </a:rPr>
+              <a:t>: Increase efficiency by assisting workers with load transportation, allowing them to focus on more skilled tasks and speeding up overall construction progress.</a:t>
+            </a:r>
+          </a:p>
+          <a:p>
+            <a:pPr algn="l">
+              <a:buFont typeface="+mj-lt"/>
+              <a:buAutoNum type="arabicPeriod"/>
+            </a:pPr>
+            <a:r>
+              <a:rPr lang="en-US" b="1" i="0" dirty="0">
+                <a:effectLst/>
+                <a:latin typeface="Söhne"/>
+              </a:rPr>
+              <a:t>Seamless Human-Robot Interaction</a:t>
+            </a:r>
+            <a:r>
+              <a:rPr lang="en-US" b="0" i="0" dirty="0">
+                <a:effectLst/>
+                <a:latin typeface="Söhne"/>
+              </a:rPr>
+              <a:t>: Enable easy communication between workers and the robot using hand gestures, ensuring smooth collaboration on the construction site.</a:t>
+            </a:r>
+          </a:p>
+          <a:p>
+            <a:pPr algn="l">
+              <a:buFont typeface="+mj-lt"/>
+              <a:buAutoNum type="arabicPeriod"/>
+            </a:pPr>
+            <a:r>
+              <a:rPr lang="en-US" b="1" i="0" dirty="0">
+                <a:effectLst/>
+                <a:latin typeface="Söhne"/>
+              </a:rPr>
+              <a:t>Adaptability and Flexibility</a:t>
+            </a:r>
+            <a:r>
+              <a:rPr lang="en-US" b="0" i="0" dirty="0">
+                <a:effectLst/>
+                <a:latin typeface="Söhne"/>
+              </a:rPr>
+              <a:t>: Develop a versatile system capable of operating in various construction environments, thanks to robust object detection and worker localization technologies.</a:t>
+            </a:r>
+          </a:p>
+          <a:p>
+            <a:pPr algn="l">
+              <a:buFont typeface="+mj-lt"/>
+              <a:buAutoNum type="arabicPeriod"/>
+            </a:pPr>
+            <a:r>
+              <a:rPr lang="en-US" b="1" i="0" dirty="0">
+                <a:effectLst/>
+                <a:latin typeface="Söhne"/>
+              </a:rPr>
+              <a:t>Scalability and Integration</a:t>
+            </a:r>
+            <a:r>
+              <a:rPr lang="en-US" b="0" i="0" dirty="0">
+                <a:effectLst/>
+                <a:latin typeface="Söhne"/>
+              </a:rPr>
+              <a:t>: Create a scalable solution that integrates seamlessly into existing construction workflows, leveraging open-source technologies for easy deployment and customization.</a:t>
+            </a:r>
+          </a:p>
+          <a:p>
+            <a:pPr algn="l">
+              <a:buFont typeface="+mj-lt"/>
+              <a:buAutoNum type="arabicPeriod"/>
+            </a:pPr>
+            <a:r>
+              <a:rPr lang="en-US" b="1" i="0" dirty="0">
+                <a:effectLst/>
+                <a:latin typeface="Söhne"/>
+              </a:rPr>
+              <a:t>Technology Validation and Innovation</a:t>
+            </a:r>
+            <a:r>
+              <a:rPr lang="en-US" b="0" i="0" dirty="0">
+                <a:effectLst/>
+                <a:latin typeface="Söhne"/>
+              </a:rPr>
+              <a:t>: Validate and advance technologies like computer vision and AI in real-world construction applications, driving innovation in construction robotics.</a:t>
             </a:r>
           </a:p>
         </p:txBody>
@@ -3470,7 +3850,7 @@
 </file>
 
 <file path=ppt/slides/slide7.xml><?xml version="1.0" encoding="utf-8"?>
-<p:sld xmlns:a="http://schemas.openxmlformats.org/drawingml/2006/main" xmlns:p="http://schemas.openxmlformats.org/presentationml/2006/main" xmlns:r="http://schemas.openxmlformats.org/officeDocument/2006/relationships">
+<p:sld xmlns:a="http://schemas.openxmlformats.org/drawingml/2006/main" xmlns:r="http://schemas.openxmlformats.org/officeDocument/2006/relationships" xmlns:p="http://schemas.openxmlformats.org/presentationml/2006/main">
   <p:cSld>
     <p:spTree>
       <p:nvGrpSpPr>
@@ -3478,7 +3858,86 @@
         <p:cNvGrpSpPr/>
         <p:nvPr/>
       </p:nvGrpSpPr>
-      <p:grpSpPr/>
+      <p:grpSpPr>
+        <a:xfrm>
+          <a:off x="0" y="0"/>
+          <a:ext cx="0" cy="0"/>
+          <a:chOff x="0" y="0"/>
+          <a:chExt cx="0" cy="0"/>
+        </a:xfrm>
+      </p:grpSpPr>
+      <p:sp>
+        <p:nvSpPr>
+          <p:cNvPr id="2" name="Title 1"/>
+          <p:cNvSpPr>
+            <a:spLocks noGrp="1"/>
+          </p:cNvSpPr>
+          <p:nvPr>
+            <p:ph type="title"/>
+          </p:nvPr>
+        </p:nvSpPr>
+        <p:spPr/>
+        <p:txBody>
+          <a:bodyPr/>
+          <a:lstStyle/>
+          <a:p>
+            <a:r>
+              <a:t>Methodology</a:t>
+            </a:r>
+          </a:p>
+        </p:txBody>
+      </p:sp>
+      <p:sp>
+        <p:nvSpPr>
+          <p:cNvPr id="3" name="Content Placeholder 2"/>
+          <p:cNvSpPr>
+            <a:spLocks noGrp="1"/>
+          </p:cNvSpPr>
+          <p:nvPr>
+            <p:ph idx="1"/>
+          </p:nvPr>
+        </p:nvSpPr>
+        <p:spPr/>
+        <p:txBody>
+          <a:bodyPr/>
+          <a:lstStyle/>
+          <a:p>
+            <a:r>
+              <a:t>We plan to use Yolov3 for real-time object localization to identify workers on site. Workers will have aruco markers embedded in their uniforms for precise location tracking.</a:t>
+            </a:r>
+          </a:p>
+          <a:p>
+            <a:r>
+              <a:t>Detailed explanation goes here to provide context and in-depth information on the topic.</a:t>
+            </a:r>
+          </a:p>
+        </p:txBody>
+      </p:sp>
+    </p:spTree>
+  </p:cSld>
+  <p:clrMapOvr>
+    <a:masterClrMapping/>
+  </p:clrMapOvr>
+</p:sld>
+</file>
+
+<file path=ppt/slides/slide8.xml><?xml version="1.0" encoding="utf-8"?>
+<p:sld xmlns:a="http://schemas.openxmlformats.org/drawingml/2006/main" xmlns:r="http://schemas.openxmlformats.org/officeDocument/2006/relationships" xmlns:p="http://schemas.openxmlformats.org/presentationml/2006/main">
+  <p:cSld>
+    <p:spTree>
+      <p:nvGrpSpPr>
+        <p:cNvPr id="1" name=""/>
+        <p:cNvGrpSpPr/>
+        <p:nvPr/>
+      </p:nvGrpSpPr>
+      <p:grpSpPr>
+        <a:xfrm>
+          <a:off x="0" y="0"/>
+          <a:ext cx="0" cy="0"/>
+          <a:chOff x="0" y="0"/>
+          <a:chExt cx="0" cy="0"/>
+        </a:xfrm>
+      </p:grpSpPr>
       <p:sp>
         <p:nvSpPr>
           <p:cNvPr id="2" name="Title 1"/>

--- a/MiniProj.pptx
+++ b/MiniProj.pptx
@@ -11,8 +11,10 @@
     <p:sldId id="258" r:id="rId5"/>
     <p:sldId id="259" r:id="rId6"/>
     <p:sldId id="260" r:id="rId7"/>
-    <p:sldId id="261" r:id="rId8"/>
-    <p:sldId id="262" r:id="rId9"/>
+    <p:sldId id="264" r:id="rId8"/>
+    <p:sldId id="261" r:id="rId9"/>
+    <p:sldId id="262" r:id="rId10"/>
+    <p:sldId id="265" r:id="rId11"/>
   </p:sldIdLst>
   <p:sldSz cx="9144000" cy="6858000" type="screen4x3"/>
   <p:notesSz cx="6858000" cy="9144000"/>
@@ -309,7 +311,7 @@
           <a:p>
             <a:fld id="{5BCAD085-E8A6-8845-BD4E-CB4CCA059FC4}" type="datetimeFigureOut">
               <a:rPr lang="en-US" smtClean="0"/>
-              <a:t>2/26/2024</a:t>
+              <a:t>2/27/2024</a:t>
             </a:fld>
             <a:endParaRPr lang="en-US"/>
           </a:p>
@@ -477,7 +479,7 @@
           <a:p>
             <a:fld id="{5BCAD085-E8A6-8845-BD4E-CB4CCA059FC4}" type="datetimeFigureOut">
               <a:rPr lang="en-US" smtClean="0"/>
-              <a:t>2/26/2024</a:t>
+              <a:t>2/27/2024</a:t>
             </a:fld>
             <a:endParaRPr lang="en-US"/>
           </a:p>
@@ -655,7 +657,7 @@
           <a:p>
             <a:fld id="{5BCAD085-E8A6-8845-BD4E-CB4CCA059FC4}" type="datetimeFigureOut">
               <a:rPr lang="en-US" smtClean="0"/>
-              <a:t>2/26/2024</a:t>
+              <a:t>2/27/2024</a:t>
             </a:fld>
             <a:endParaRPr lang="en-US"/>
           </a:p>
@@ -823,7 +825,7 @@
           <a:p>
             <a:fld id="{5BCAD085-E8A6-8845-BD4E-CB4CCA059FC4}" type="datetimeFigureOut">
               <a:rPr lang="en-US" smtClean="0"/>
-              <a:t>2/26/2024</a:t>
+              <a:t>2/27/2024</a:t>
             </a:fld>
             <a:endParaRPr lang="en-US"/>
           </a:p>
@@ -1068,7 +1070,7 @@
           <a:p>
             <a:fld id="{5BCAD085-E8A6-8845-BD4E-CB4CCA059FC4}" type="datetimeFigureOut">
               <a:rPr lang="en-US" smtClean="0"/>
-              <a:t>2/26/2024</a:t>
+              <a:t>2/27/2024</a:t>
             </a:fld>
             <a:endParaRPr lang="en-US"/>
           </a:p>
@@ -1353,7 +1355,7 @@
           <a:p>
             <a:fld id="{5BCAD085-E8A6-8845-BD4E-CB4CCA059FC4}" type="datetimeFigureOut">
               <a:rPr lang="en-US" smtClean="0"/>
-              <a:t>2/26/2024</a:t>
+              <a:t>2/27/2024</a:t>
             </a:fld>
             <a:endParaRPr lang="en-US"/>
           </a:p>
@@ -1772,7 +1774,7 @@
           <a:p>
             <a:fld id="{5BCAD085-E8A6-8845-BD4E-CB4CCA059FC4}" type="datetimeFigureOut">
               <a:rPr lang="en-US" smtClean="0"/>
-              <a:t>2/26/2024</a:t>
+              <a:t>2/27/2024</a:t>
             </a:fld>
             <a:endParaRPr lang="en-US"/>
           </a:p>
@@ -1889,7 +1891,7 @@
           <a:p>
             <a:fld id="{5BCAD085-E8A6-8845-BD4E-CB4CCA059FC4}" type="datetimeFigureOut">
               <a:rPr lang="en-US" smtClean="0"/>
-              <a:t>2/26/2024</a:t>
+              <a:t>2/27/2024</a:t>
             </a:fld>
             <a:endParaRPr lang="en-US"/>
           </a:p>
@@ -1984,7 +1986,7 @@
           <a:p>
             <a:fld id="{5BCAD085-E8A6-8845-BD4E-CB4CCA059FC4}" type="datetimeFigureOut">
               <a:rPr lang="en-US" smtClean="0"/>
-              <a:t>2/26/2024</a:t>
+              <a:t>2/27/2024</a:t>
             </a:fld>
             <a:endParaRPr lang="en-US"/>
           </a:p>
@@ -2259,7 +2261,7 @@
           <a:p>
             <a:fld id="{5BCAD085-E8A6-8845-BD4E-CB4CCA059FC4}" type="datetimeFigureOut">
               <a:rPr lang="en-US" smtClean="0"/>
-              <a:t>2/26/2024</a:t>
+              <a:t>2/27/2024</a:t>
             </a:fld>
             <a:endParaRPr lang="en-US"/>
           </a:p>
@@ -2511,7 +2513,7 @@
           <a:p>
             <a:fld id="{5BCAD085-E8A6-8845-BD4E-CB4CCA059FC4}" type="datetimeFigureOut">
               <a:rPr lang="en-US" smtClean="0"/>
-              <a:t>2/26/2024</a:t>
+              <a:t>2/27/2024</a:t>
             </a:fld>
             <a:endParaRPr lang="en-US"/>
           </a:p>
@@ -2722,7 +2724,7 @@
           <a:p>
             <a:fld id="{5BCAD085-E8A6-8845-BD4E-CB4CCA059FC4}" type="datetimeFigureOut">
               <a:rPr lang="en-US" smtClean="0"/>
-              <a:t>2/26/2024</a:t>
+              <a:t>2/27/2024</a:t>
             </a:fld>
             <a:endParaRPr lang="en-US"/>
           </a:p>
@@ -3294,6 +3296,127 @@
 </p:sld>
 </file>
 
+<file path=ppt/slides/slide10.xml><?xml version="1.0" encoding="utf-8"?>
+<p:sld xmlns:a="http://schemas.openxmlformats.org/drawingml/2006/main" xmlns:r="http://schemas.openxmlformats.org/officeDocument/2006/relationships" xmlns:p="http://schemas.openxmlformats.org/presentationml/2006/main">
+  <p:cSld>
+    <p:spTree>
+      <p:nvGrpSpPr>
+        <p:cNvPr id="1" name=""/>
+        <p:cNvGrpSpPr/>
+        <p:nvPr/>
+      </p:nvGrpSpPr>
+      <p:grpSpPr>
+        <a:xfrm>
+          <a:off x="0" y="0"/>
+          <a:ext cx="0" cy="0"/>
+          <a:chOff x="0" y="0"/>
+          <a:chExt cx="0" cy="0"/>
+        </a:xfrm>
+      </p:grpSpPr>
+      <p:sp>
+        <p:nvSpPr>
+          <p:cNvPr id="2" name="Title 1">
+            <a:extLst>
+              <a:ext uri="{FF2B5EF4-FFF2-40B4-BE49-F238E27FC236}">
+                <a16:creationId xmlns:a16="http://schemas.microsoft.com/office/drawing/2014/main" id="{BDBBB715-E202-FB3E-8ED0-B9C5AFDDBAF0}"/>
+              </a:ext>
+            </a:extLst>
+          </p:cNvPr>
+          <p:cNvSpPr>
+            <a:spLocks noGrp="1"/>
+          </p:cNvSpPr>
+          <p:nvPr>
+            <p:ph type="title"/>
+          </p:nvPr>
+        </p:nvSpPr>
+        <p:spPr/>
+        <p:txBody>
+          <a:bodyPr/>
+          <a:lstStyle/>
+          <a:p>
+            <a:r>
+              <a:rPr lang="en-US" dirty="0"/>
+              <a:t>Conclusion</a:t>
+            </a:r>
+          </a:p>
+        </p:txBody>
+      </p:sp>
+      <p:sp>
+        <p:nvSpPr>
+          <p:cNvPr id="3" name="Content Placeholder 2">
+            <a:extLst>
+              <a:ext uri="{FF2B5EF4-FFF2-40B4-BE49-F238E27FC236}">
+                <a16:creationId xmlns:a16="http://schemas.microsoft.com/office/drawing/2014/main" id="{CF2DD7E0-B127-7937-C7FF-DE4A1A7D0FEA}"/>
+              </a:ext>
+            </a:extLst>
+          </p:cNvPr>
+          <p:cNvSpPr>
+            <a:spLocks noGrp="1"/>
+          </p:cNvSpPr>
+          <p:nvPr>
+            <p:ph idx="1"/>
+          </p:nvPr>
+        </p:nvSpPr>
+        <p:spPr/>
+        <p:txBody>
+          <a:bodyPr>
+            <a:normAutofit/>
+          </a:bodyPr>
+          <a:lstStyle/>
+          <a:p>
+            <a:pPr marL="0" indent="0">
+              <a:buNone/>
+            </a:pPr>
+            <a:r>
+              <a:rPr lang="en-US" sz="2600" b="0" i="0" dirty="0">
+                <a:effectLst/>
+                <a:latin typeface="gg sans"/>
+              </a:rPr>
+              <a:t>Our Autonomous Construction Aid Vehicle, equipped with </a:t>
+            </a:r>
+            <a:r>
+              <a:rPr lang="en-US" sz="2600" b="0" i="0" dirty="0" err="1">
+                <a:effectLst/>
+                <a:latin typeface="gg sans"/>
+              </a:rPr>
+              <a:t>Aruco</a:t>
+            </a:r>
+            <a:r>
+              <a:rPr lang="en-US" sz="2600" b="0" i="0" dirty="0">
+                <a:effectLst/>
+                <a:latin typeface="gg sans"/>
+              </a:rPr>
+              <a:t> marker detection and gesture recognition, streamlines construction processes with precise navigation and intuitive controls. </a:t>
+            </a:r>
+          </a:p>
+          <a:p>
+            <a:pPr marL="0" indent="0">
+              <a:buNone/>
+            </a:pPr>
+            <a:r>
+              <a:rPr lang="en-US" sz="2600" b="0" i="0" dirty="0">
+                <a:effectLst/>
+                <a:latin typeface="gg sans"/>
+              </a:rPr>
+              <a:t>Our project paves the way for the broader integration of autonomous systems in construction, reshaping the industry's future.</a:t>
+            </a:r>
+            <a:endParaRPr lang="en-US" sz="2600" dirty="0"/>
+          </a:p>
+        </p:txBody>
+      </p:sp>
+    </p:spTree>
+    <p:extLst>
+      <p:ext uri="{BB962C8B-B14F-4D97-AF65-F5344CB8AC3E}">
+        <p14:creationId xmlns:p14="http://schemas.microsoft.com/office/powerpoint/2010/main" val="125853767"/>
+      </p:ext>
+    </p:extLst>
+  </p:cSld>
+  <p:clrMapOvr>
+    <a:masterClrMapping/>
+  </p:clrMapOvr>
+</p:sld>
+</file>
+
 <file path=ppt/slides/slide2.xml><?xml version="1.0" encoding="utf-8"?>
 <p:sld xmlns:a="http://schemas.openxmlformats.org/drawingml/2006/main" xmlns:r="http://schemas.openxmlformats.org/officeDocument/2006/relationships" xmlns:p="http://schemas.openxmlformats.org/presentationml/2006/main">
   <p:cSld>
@@ -3355,7 +3478,12 @@
             <p:ph idx="1"/>
           </p:nvPr>
         </p:nvSpPr>
-        <p:spPr/>
+        <p:spPr>
+          <a:xfrm>
+            <a:off x="887505" y="1985683"/>
+            <a:ext cx="5316071" cy="3706906"/>
+          </a:xfrm>
+        </p:spPr>
         <p:txBody>
           <a:bodyPr>
             <a:normAutofit/>
@@ -3366,7 +3494,7 @@
               <a:buNone/>
             </a:pPr>
             <a:r>
-              <a:rPr lang="en-US" sz="2400" dirty="0"/>
+              <a:rPr lang="en-US" sz="2800" dirty="0"/>
               <a:t>• Introduction </a:t>
             </a:r>
           </a:p>
@@ -3375,7 +3503,7 @@
               <a:buNone/>
             </a:pPr>
             <a:r>
-              <a:rPr lang="en-US" sz="2400" dirty="0"/>
+              <a:rPr lang="en-US" sz="2800" dirty="0"/>
               <a:t>• Problem Statement </a:t>
             </a:r>
           </a:p>
@@ -3384,7 +3512,7 @@
               <a:buNone/>
             </a:pPr>
             <a:r>
-              <a:rPr lang="en-US" sz="2400" dirty="0"/>
+              <a:rPr lang="en-US" sz="2800" dirty="0"/>
               <a:t>• Literature Survey </a:t>
             </a:r>
           </a:p>
@@ -3393,7 +3521,7 @@
               <a:buNone/>
             </a:pPr>
             <a:r>
-              <a:rPr lang="en-US" sz="2400" dirty="0"/>
+              <a:rPr lang="en-US" sz="2800" dirty="0"/>
               <a:t>• Objectives </a:t>
             </a:r>
           </a:p>
@@ -3402,7 +3530,7 @@
               <a:buNone/>
             </a:pPr>
             <a:r>
-              <a:rPr lang="en-US" sz="2400" dirty="0"/>
+              <a:rPr lang="en-US" sz="2800" dirty="0"/>
               <a:t>• Methodology </a:t>
             </a:r>
           </a:p>
@@ -3411,7 +3539,7 @@
               <a:buNone/>
             </a:pPr>
             <a:r>
-              <a:rPr lang="en-US" sz="2400" dirty="0"/>
+              <a:rPr lang="en-US" sz="2800" dirty="0"/>
               <a:t>• Design</a:t>
             </a:r>
           </a:p>
@@ -3479,36 +3607,28 @@
             <p:ph idx="1"/>
           </p:nvPr>
         </p:nvSpPr>
-        <p:spPr/>
-        <p:txBody>
-          <a:bodyPr/>
-          <a:lstStyle/>
-          <a:p>
-            <a:r>
-              <a:rPr dirty="0"/>
+        <p:spPr>
+          <a:xfrm>
+            <a:off x="457200" y="1600200"/>
+            <a:ext cx="8229600" cy="3393141"/>
+          </a:xfrm>
+        </p:spPr>
+        <p:txBody>
+          <a:bodyPr>
+            <a:normAutofit/>
+          </a:bodyPr>
+          <a:lstStyle/>
+          <a:p>
+            <a:r>
+              <a:rPr sz="2600" dirty="0"/>
               <a:t>ACAV (Autonomous Construction Aid Vehicle) is a revolutionary AI-powered cyber Truck-like robot designed to assist construction workers by carrying heavy loads efficiently.</a:t>
             </a:r>
           </a:p>
           <a:p>
             <a:r>
-              <a:rPr lang="en-US" dirty="0"/>
+              <a:rPr lang="en-US" sz="2600" dirty="0"/>
               <a:t>This innovative vehicle is equipped to autonomously navigate challenging terrains, ensuring safe material transport in close proximity to workers.</a:t>
             </a:r>
-          </a:p>
-          <a:p>
-            <a:endParaRPr lang="en-US" dirty="0"/>
-          </a:p>
-          <a:p>
-            <a:endParaRPr lang="en-US" dirty="0"/>
-          </a:p>
-          <a:p>
-            <a:endParaRPr lang="en-US" dirty="0"/>
-          </a:p>
-          <a:p>
-            <a:pPr marL="0" indent="0">
-              <a:buNone/>
-            </a:pPr>
-            <a:endParaRPr lang="en-US" dirty="0"/>
           </a:p>
         </p:txBody>
       </p:sp>
@@ -3553,6 +3673,7 @@
           <a:lstStyle/>
           <a:p>
             <a:r>
+              <a:rPr dirty="0"/>
               <a:t>Problem Statement</a:t>
             </a:r>
           </a:p>
@@ -3568,18 +3689,67 @@
             <p:ph idx="1"/>
           </p:nvPr>
         </p:nvSpPr>
-        <p:spPr/>
-        <p:txBody>
-          <a:bodyPr/>
-          <a:lstStyle/>
-          <a:p>
-            <a:r>
-              <a:t>Construction sites often involve heavy lifting, increasing the physical strain on workers and the risk of injury. Additionally, navigating a busy site with loads can be challenging.</a:t>
-            </a:r>
-          </a:p>
-          <a:p>
-            <a:r>
-              <a:t>Detailed explanation goes here to provide context and in-depth information on the topic.</a:t>
+        <p:spPr>
+          <a:xfrm>
+            <a:off x="457200" y="1322295"/>
+            <a:ext cx="8229600" cy="4525963"/>
+          </a:xfrm>
+        </p:spPr>
+        <p:txBody>
+          <a:bodyPr>
+            <a:noAutofit/>
+          </a:bodyPr>
+          <a:lstStyle/>
+          <a:p>
+            <a:pPr algn="l">
+              <a:buFont typeface="Arial" panose="020B0604020202020204" pitchFamily="34" charset="0"/>
+              <a:buChar char="•"/>
+            </a:pPr>
+            <a:r>
+              <a:rPr lang="en-US" sz="2600" b="0" i="0" dirty="0">
+                <a:effectLst/>
+                <a:latin typeface="Söhne"/>
+              </a:rPr>
+              <a:t>Construction workers endure physical strain and safety risks when manually handling heavy loads and navigating hazardous terrain.</a:t>
+            </a:r>
+          </a:p>
+          <a:p>
+            <a:pPr algn="l">
+              <a:buFont typeface="Arial" panose="020B0604020202020204" pitchFamily="34" charset="0"/>
+              <a:buChar char="•"/>
+            </a:pPr>
+            <a:r>
+              <a:rPr lang="en-US" sz="2600" b="0" i="0" dirty="0">
+                <a:effectLst/>
+                <a:latin typeface="Söhne"/>
+              </a:rPr>
+              <a:t>Labor-intensive tasks contribute to a high risk of injuries and limit overall productivity on construction sites.</a:t>
+            </a:r>
+          </a:p>
+          <a:p>
+            <a:pPr algn="l">
+              <a:buFont typeface="Arial" panose="020B0604020202020204" pitchFamily="34" charset="0"/>
+              <a:buChar char="•"/>
+            </a:pPr>
+            <a:r>
+              <a:rPr lang="en-US" sz="2600" b="0" i="0" dirty="0">
+                <a:effectLst/>
+                <a:latin typeface="Söhne"/>
+              </a:rPr>
+              <a:t>Inefficient material transport systems lead to delays and inefficiencies in construction projects.</a:t>
+            </a:r>
+          </a:p>
+          <a:p>
+            <a:pPr algn="l">
+              <a:buFont typeface="Arial" panose="020B0604020202020204" pitchFamily="34" charset="0"/>
+              <a:buChar char="•"/>
+            </a:pPr>
+            <a:r>
+              <a:rPr lang="en-US" sz="2600" b="0" i="0" dirty="0">
+                <a:effectLst/>
+                <a:latin typeface="Söhne"/>
+              </a:rPr>
+              <a:t>There is a pressing need for innovative solutions to alleviate worker burden, enhance safety, and streamline material handling processes to improve productivity and project outcomes.</a:t>
             </a:r>
           </a:p>
         </p:txBody>
@@ -3713,26 +3883,30 @@
             <p:ph idx="1"/>
           </p:nvPr>
         </p:nvSpPr>
-        <p:spPr/>
+        <p:spPr>
+          <a:xfrm>
+            <a:off x="457200" y="1417638"/>
+            <a:ext cx="8229600" cy="4525963"/>
+          </a:xfrm>
+        </p:spPr>
         <p:txBody>
           <a:bodyPr>
-            <a:normAutofit fontScale="55000" lnSpcReduction="20000"/>
+            <a:noAutofit/>
           </a:bodyPr>
           <a:lstStyle/>
           <a:p>
-            <a:pPr algn="l">
-              <a:buFont typeface="+mj-lt"/>
-              <a:buAutoNum type="arabicPeriod"/>
+            <a:pPr marL="0" indent="0" algn="l">
+              <a:buNone/>
             </a:pPr>
             <a:r>
-              <a:rPr lang="en-US" b="1" i="0" dirty="0">
+              <a:rPr lang="en-US" sz="2600" b="1" i="0" dirty="0">
                 <a:effectLst/>
                 <a:latin typeface="Söhne"/>
               </a:rPr>
-              <a:t>Enhanced Worker Safety</a:t>
-            </a:r>
-            <a:r>
-              <a:rPr lang="en-US" b="0" i="0" dirty="0">
+              <a:t>1. Enhanced Worker Safety</a:t>
+            </a:r>
+            <a:r>
+              <a:rPr lang="en-US" sz="2600" b="0" i="0" dirty="0">
                 <a:effectLst/>
                 <a:latin typeface="Söhne"/>
               </a:rPr>
@@ -3740,19 +3914,18 @@
             </a:r>
           </a:p>
           <a:p>
-            <a:pPr algn="l">
-              <a:buFont typeface="+mj-lt"/>
-              <a:buAutoNum type="arabicPeriod"/>
+            <a:pPr marL="0" indent="0" algn="l">
+              <a:buNone/>
             </a:pPr>
             <a:r>
-              <a:rPr lang="en-US" b="1" i="0" dirty="0">
+              <a:rPr lang="en-US" sz="2600" b="1" i="0" dirty="0">
                 <a:effectLst/>
                 <a:latin typeface="Söhne"/>
               </a:rPr>
-              <a:t>Efficiency and Productivity</a:t>
-            </a:r>
-            <a:r>
-              <a:rPr lang="en-US" b="0" i="0" dirty="0">
+              <a:t>2. Efficiency and Productivity</a:t>
+            </a:r>
+            <a:r>
+              <a:rPr lang="en-US" sz="2600" b="0" i="0" dirty="0">
                 <a:effectLst/>
                 <a:latin typeface="Söhne"/>
               </a:rPr>
@@ -3760,83 +3933,22 @@
             </a:r>
           </a:p>
           <a:p>
-            <a:pPr algn="l">
-              <a:buFont typeface="+mj-lt"/>
-              <a:buAutoNum type="arabicPeriod"/>
+            <a:pPr marL="0" indent="0" algn="l">
+              <a:buNone/>
             </a:pPr>
             <a:r>
-              <a:rPr lang="en-US" b="1" i="0" dirty="0">
+              <a:rPr lang="en-US" sz="2600" b="1" i="0" dirty="0">
                 <a:effectLst/>
                 <a:latin typeface="Söhne"/>
               </a:rPr>
-              <a:t>Seamless Human-Robot Interaction</a:t>
-            </a:r>
-            <a:r>
-              <a:rPr lang="en-US" b="0" i="0" dirty="0">
+              <a:t>3. Seamless Human-Robot Interaction</a:t>
+            </a:r>
+            <a:r>
+              <a:rPr lang="en-US" sz="2600" b="0" i="0" dirty="0">
                 <a:effectLst/>
                 <a:latin typeface="Söhne"/>
               </a:rPr>
               <a:t>: Enable easy communication between workers and the robot using hand gestures, ensuring smooth collaboration on the construction site.</a:t>
-            </a:r>
-          </a:p>
-          <a:p>
-            <a:pPr algn="l">
-              <a:buFont typeface="+mj-lt"/>
-              <a:buAutoNum type="arabicPeriod"/>
-            </a:pPr>
-            <a:r>
-              <a:rPr lang="en-US" b="1" i="0" dirty="0">
-                <a:effectLst/>
-                <a:latin typeface="Söhne"/>
-              </a:rPr>
-              <a:t>Adaptability and Flexibility</a:t>
-            </a:r>
-            <a:r>
-              <a:rPr lang="en-US" b="0" i="0" dirty="0">
-                <a:effectLst/>
-                <a:latin typeface="Söhne"/>
-              </a:rPr>
-              <a:t>: Develop a versatile system capable of operating in various construction environments, thanks to robust object detection and worker localization technologies.</a:t>
-            </a:r>
-          </a:p>
-          <a:p>
-            <a:pPr algn="l">
-              <a:buFont typeface="+mj-lt"/>
-              <a:buAutoNum type="arabicPeriod"/>
-            </a:pPr>
-            <a:r>
-              <a:rPr lang="en-US" b="1" i="0" dirty="0">
-                <a:effectLst/>
-                <a:latin typeface="Söhne"/>
-              </a:rPr>
-              <a:t>Scalability and Integration</a:t>
-            </a:r>
-            <a:r>
-              <a:rPr lang="en-US" b="0" i="0" dirty="0">
-                <a:effectLst/>
-                <a:latin typeface="Söhne"/>
-              </a:rPr>
-              <a:t>: Create a scalable solution that integrates seamlessly into existing construction workflows, leveraging open-source technologies for easy deployment and customization.</a:t>
-            </a:r>
-          </a:p>
-          <a:p>
-            <a:pPr algn="l">
-              <a:buFont typeface="+mj-lt"/>
-              <a:buAutoNum type="arabicPeriod"/>
-            </a:pPr>
-            <a:r>
-              <a:rPr lang="en-US" b="1" i="0" dirty="0">
-                <a:effectLst/>
-                <a:latin typeface="Söhne"/>
-              </a:rPr>
-              <a:t>Technology Validation and Innovation</a:t>
-            </a:r>
-            <a:r>
-              <a:rPr lang="en-US" b="0" i="0" dirty="0">
-                <a:effectLst/>
-                <a:latin typeface="Söhne"/>
-              </a:rPr>
-              <a:t>: Validate and advance technologies like computer vision and AI in real-world construction applications, driving innovation in construction robotics.</a:t>
             </a:r>
           </a:p>
         </p:txBody>
@@ -3850,6 +3962,156 @@
 </file>
 
 <file path=ppt/slides/slide7.xml><?xml version="1.0" encoding="utf-8"?>
+<p:sld xmlns:a="http://schemas.openxmlformats.org/drawingml/2006/main" xmlns:r="http://schemas.openxmlformats.org/officeDocument/2006/relationships" xmlns:p="http://schemas.openxmlformats.org/presentationml/2006/main">
+  <p:cSld>
+    <p:spTree>
+      <p:nvGrpSpPr>
+        <p:cNvPr id="1" name="">
+          <a:extLst>
+            <a:ext uri="{FF2B5EF4-FFF2-40B4-BE49-F238E27FC236}">
+              <a16:creationId xmlns:a16="http://schemas.microsoft.com/office/drawing/2014/main" id="{1B4C7835-A405-4290-61C7-16E7A1A3ECFC}"/>
+            </a:ext>
+          </a:extLst>
+        </p:cNvPr>
+        <p:cNvGrpSpPr/>
+        <p:nvPr/>
+      </p:nvGrpSpPr>
+      <p:grpSpPr>
+        <a:xfrm>
+          <a:off x="0" y="0"/>
+          <a:ext cx="0" cy="0"/>
+          <a:chOff x="0" y="0"/>
+          <a:chExt cx="0" cy="0"/>
+        </a:xfrm>
+      </p:grpSpPr>
+      <p:sp>
+        <p:nvSpPr>
+          <p:cNvPr id="2" name="Title 1">
+            <a:extLst>
+              <a:ext uri="{FF2B5EF4-FFF2-40B4-BE49-F238E27FC236}">
+                <a16:creationId xmlns:a16="http://schemas.microsoft.com/office/drawing/2014/main" id="{EF1E892D-6E71-2766-5A1D-FDE84D4563DD}"/>
+              </a:ext>
+            </a:extLst>
+          </p:cNvPr>
+          <p:cNvSpPr>
+            <a:spLocks noGrp="1"/>
+          </p:cNvSpPr>
+          <p:nvPr>
+            <p:ph type="title"/>
+          </p:nvPr>
+        </p:nvSpPr>
+        <p:spPr/>
+        <p:txBody>
+          <a:bodyPr/>
+          <a:lstStyle/>
+          <a:p>
+            <a:r>
+              <a:rPr dirty="0"/>
+              <a:t>Objectives</a:t>
+            </a:r>
+          </a:p>
+        </p:txBody>
+      </p:sp>
+      <p:sp>
+        <p:nvSpPr>
+          <p:cNvPr id="3" name="Content Placeholder 2">
+            <a:extLst>
+              <a:ext uri="{FF2B5EF4-FFF2-40B4-BE49-F238E27FC236}">
+                <a16:creationId xmlns:a16="http://schemas.microsoft.com/office/drawing/2014/main" id="{36C0D3C2-332B-2184-4A97-2CA74A945C52}"/>
+              </a:ext>
+            </a:extLst>
+          </p:cNvPr>
+          <p:cNvSpPr>
+            <a:spLocks noGrp="1"/>
+          </p:cNvSpPr>
+          <p:nvPr>
+            <p:ph idx="1"/>
+          </p:nvPr>
+        </p:nvSpPr>
+        <p:spPr>
+          <a:xfrm>
+            <a:off x="457200" y="1166018"/>
+            <a:ext cx="8229600" cy="5100311"/>
+          </a:xfrm>
+        </p:spPr>
+        <p:txBody>
+          <a:bodyPr>
+            <a:noAutofit/>
+          </a:bodyPr>
+          <a:lstStyle/>
+          <a:p>
+            <a:pPr marL="0" indent="0">
+              <a:buNone/>
+            </a:pPr>
+            <a:r>
+              <a:rPr lang="en-US" sz="2600" b="1" i="0" dirty="0">
+                <a:effectLst/>
+                <a:latin typeface="Söhne"/>
+              </a:rPr>
+              <a:t>4. Adaptability and Flexibility</a:t>
+            </a:r>
+            <a:r>
+              <a:rPr lang="en-US" sz="2600" b="0" i="0" dirty="0">
+                <a:effectLst/>
+                <a:latin typeface="Söhne"/>
+              </a:rPr>
+              <a:t>: Develop a versatile system capable of operating in various construction environments, thanks to robust object detection and worker localization technologies.</a:t>
+            </a:r>
+          </a:p>
+          <a:p>
+            <a:pPr marL="0" indent="0">
+              <a:buNone/>
+            </a:pPr>
+            <a:r>
+              <a:rPr lang="en-US" sz="2600" b="1" i="0" dirty="0">
+                <a:effectLst/>
+                <a:latin typeface="Söhne"/>
+              </a:rPr>
+              <a:t>5. Scalability and Integration</a:t>
+            </a:r>
+            <a:r>
+              <a:rPr lang="en-US" sz="2600" b="0" i="0" dirty="0">
+                <a:effectLst/>
+                <a:latin typeface="Söhne"/>
+              </a:rPr>
+              <a:t>: Create a scalable solution     that integrates seamlessly into existing construction workflows, leveraging open-source technologies for easy deployment and customization.</a:t>
+            </a:r>
+          </a:p>
+          <a:p>
+            <a:pPr marL="0" indent="0">
+              <a:buNone/>
+            </a:pPr>
+            <a:r>
+              <a:rPr lang="en-US" sz="2600" b="1" i="0" dirty="0">
+                <a:effectLst/>
+                <a:latin typeface="Söhne"/>
+              </a:rPr>
+              <a:t>6. Technology Validation and Innovation</a:t>
+            </a:r>
+            <a:r>
+              <a:rPr lang="en-US" sz="2600" b="0" i="0" dirty="0">
+                <a:effectLst/>
+                <a:latin typeface="Söhne"/>
+              </a:rPr>
+              <a:t>: Validate and advance technologies like computer vision and AI in real-world construction applications, driving innovation in construction robotics.</a:t>
+            </a:r>
+          </a:p>
+        </p:txBody>
+      </p:sp>
+    </p:spTree>
+    <p:extLst>
+      <p:ext uri="{BB962C8B-B14F-4D97-AF65-F5344CB8AC3E}">
+        <p14:creationId xmlns:p14="http://schemas.microsoft.com/office/powerpoint/2010/main" val="3593323555"/>
+      </p:ext>
+    </p:extLst>
+  </p:cSld>
+  <p:clrMapOvr>
+    <a:masterClrMapping/>
+  </p:clrMapOvr>
+</p:sld>
+</file>
+
+<file path=ppt/slides/slide8.xml><?xml version="1.0" encoding="utf-8"?>
 <p:sld xmlns:a="http://schemas.openxmlformats.org/drawingml/2006/main" xmlns:r="http://schemas.openxmlformats.org/officeDocument/2006/relationships" xmlns:p="http://schemas.openxmlformats.org/presentationml/2006/main">
   <p:cSld>
     <p:spTree>
@@ -3921,7 +4183,7 @@
 </p:sld>
 </file>
 
-<file path=ppt/slides/slide8.xml><?xml version="1.0" encoding="utf-8"?>
+<file path=ppt/slides/slide9.xml><?xml version="1.0" encoding="utf-8"?>
 <p:sld xmlns:a="http://schemas.openxmlformats.org/drawingml/2006/main" xmlns:r="http://schemas.openxmlformats.org/officeDocument/2006/relationships" xmlns:p="http://schemas.openxmlformats.org/presentationml/2006/main">
   <p:cSld>
     <p:spTree>

--- a/MiniProj.pptx
+++ b/MiniProj.pptx
@@ -13,8 +13,9 @@
     <p:sldId id="260" r:id="rId7"/>
     <p:sldId id="264" r:id="rId8"/>
     <p:sldId id="261" r:id="rId9"/>
-    <p:sldId id="262" r:id="rId10"/>
-    <p:sldId id="265" r:id="rId11"/>
+    <p:sldId id="266" r:id="rId10"/>
+    <p:sldId id="262" r:id="rId11"/>
+    <p:sldId id="265" r:id="rId12"/>
   </p:sldIdLst>
   <p:sldSz cx="9144000" cy="6858000" type="screen4x3"/>
   <p:notesSz cx="6858000" cy="9144000"/>
@@ -3315,6 +3316,80 @@
       </p:grpSpPr>
       <p:sp>
         <p:nvSpPr>
+          <p:cNvPr id="2" name="Title 1"/>
+          <p:cNvSpPr>
+            <a:spLocks noGrp="1"/>
+          </p:cNvSpPr>
+          <p:nvPr>
+            <p:ph type="title"/>
+          </p:nvPr>
+        </p:nvSpPr>
+        <p:spPr/>
+        <p:txBody>
+          <a:bodyPr/>
+          <a:lstStyle/>
+          <a:p>
+            <a:r>
+              <a:t>Design</a:t>
+            </a:r>
+          </a:p>
+        </p:txBody>
+      </p:sp>
+      <p:sp>
+        <p:nvSpPr>
+          <p:cNvPr id="3" name="Content Placeholder 2"/>
+          <p:cNvSpPr>
+            <a:spLocks noGrp="1"/>
+          </p:cNvSpPr>
+          <p:nvPr>
+            <p:ph idx="1"/>
+          </p:nvPr>
+        </p:nvSpPr>
+        <p:spPr/>
+        <p:txBody>
+          <a:bodyPr/>
+          <a:lstStyle/>
+          <a:p>
+            <a:r>
+              <a:rPr dirty="0"/>
+              <a:t>ACAV will be equipped with sensors and cameras for environmental perception and gesture recognition. The cyber Truck-like design allows for heavy load-carrying capacity.</a:t>
+            </a:r>
+          </a:p>
+          <a:p>
+            <a:r>
+              <a:rPr dirty="0"/>
+              <a:t>Detailed explanation goes here to provide context and in-depth information on the topic.</a:t>
+            </a:r>
+          </a:p>
+        </p:txBody>
+      </p:sp>
+    </p:spTree>
+  </p:cSld>
+  <p:clrMapOvr>
+    <a:masterClrMapping/>
+  </p:clrMapOvr>
+</p:sld>
+</file>
+
+<file path=ppt/slides/slide11.xml><?xml version="1.0" encoding="utf-8"?>
+<p:sld xmlns:a="http://schemas.openxmlformats.org/drawingml/2006/main" xmlns:r="http://schemas.openxmlformats.org/officeDocument/2006/relationships" xmlns:p="http://schemas.openxmlformats.org/presentationml/2006/main">
+  <p:cSld>
+    <p:spTree>
+      <p:nvGrpSpPr>
+        <p:cNvPr id="1" name=""/>
+        <p:cNvGrpSpPr/>
+        <p:nvPr/>
+      </p:nvGrpSpPr>
+      <p:grpSpPr>
+        <a:xfrm>
+          <a:off x="0" y="0"/>
+          <a:ext cx="0" cy="0"/>
+          <a:chOff x="0" y="0"/>
+          <a:chExt cx="0" cy="0"/>
+        </a:xfrm>
+      </p:grpSpPr>
+      <p:sp>
+        <p:nvSpPr>
           <p:cNvPr id="2" name="Title 1">
             <a:extLst>
               <a:ext uri="{FF2B5EF4-FFF2-40B4-BE49-F238E27FC236}">
@@ -4161,17 +4236,38 @@
         </p:nvSpPr>
         <p:spPr/>
         <p:txBody>
-          <a:bodyPr/>
-          <a:lstStyle/>
-          <a:p>
-            <a:r>
-              <a:t>We plan to use Yolov3 for real-time object localization to identify workers on site. Workers will have aruco markers embedded in their uniforms for precise location tracking.</a:t>
-            </a:r>
-          </a:p>
-          <a:p>
-            <a:r>
-              <a:t>Detailed explanation goes here to provide context and in-depth information on the topic.</a:t>
-            </a:r>
+          <a:bodyPr>
+            <a:noAutofit/>
+          </a:bodyPr>
+          <a:lstStyle/>
+          <a:p>
+            <a:r>
+              <a:rPr dirty="0"/>
+              <a:t>We plan to use Yolov3 for real-time object localization to identify workers on site. Workers will have </a:t>
+            </a:r>
+            <a:r>
+              <a:rPr lang="en-IN" dirty="0"/>
+              <a:t>A</a:t>
+            </a:r>
+            <a:r>
+              <a:rPr dirty="0" err="1"/>
+              <a:t>ruco</a:t>
+            </a:r>
+            <a:r>
+              <a:rPr dirty="0"/>
+              <a:t> markers embedded in their uniforms for precise location tracking.</a:t>
+            </a:r>
+          </a:p>
+          <a:p>
+            <a:r>
+              <a:rPr lang="en-IN" b="1" dirty="0"/>
+              <a:t>Gesture Recognition for User Interaction </a:t>
+            </a:r>
+            <a:r>
+              <a:rPr lang="en-IN" dirty="0"/>
+              <a:t>: Integrate gesture recognition algorithms for intuitive and efficient operator control. </a:t>
+            </a:r>
+            <a:endParaRPr dirty="0"/>
           </a:p>
         </p:txBody>
       </p:sp>
@@ -4202,52 +4298,278 @@
       </p:grpSpPr>
       <p:sp>
         <p:nvSpPr>
-          <p:cNvPr id="2" name="Title 1"/>
-          <p:cNvSpPr>
-            <a:spLocks noGrp="1"/>
-          </p:cNvSpPr>
-          <p:nvPr>
-            <p:ph type="title"/>
-          </p:nvPr>
-        </p:nvSpPr>
-        <p:spPr/>
-        <p:txBody>
-          <a:bodyPr/>
-          <a:lstStyle/>
-          <a:p>
-            <a:r>
-              <a:t>Design</a:t>
-            </a:r>
-          </a:p>
-        </p:txBody>
-      </p:sp>
-      <p:sp>
-        <p:nvSpPr>
-          <p:cNvPr id="3" name="Content Placeholder 2"/>
-          <p:cNvSpPr>
-            <a:spLocks noGrp="1"/>
-          </p:cNvSpPr>
-          <p:nvPr>
-            <p:ph idx="1"/>
-          </p:nvPr>
-        </p:nvSpPr>
-        <p:spPr/>
-        <p:txBody>
-          <a:bodyPr/>
-          <a:lstStyle/>
-          <a:p>
-            <a:r>
-              <a:t>ACAV will be equipped with sensors and cameras for environmental perception and gesture recognition. The cyber Truck-like design allows for heavy load-carrying capacity.</a:t>
-            </a:r>
-          </a:p>
-          <a:p>
-            <a:r>
-              <a:t>Detailed explanation goes here to provide context and in-depth information on the topic.</a:t>
-            </a:r>
+          <p:cNvPr id="6" name="Content Placeholder 2">
+            <a:extLst>
+              <a:ext uri="{FF2B5EF4-FFF2-40B4-BE49-F238E27FC236}">
+                <a16:creationId xmlns:a16="http://schemas.microsoft.com/office/drawing/2014/main" id="{88ACEDE9-9C7A-D213-A530-6C7CE0AD35AF}"/>
+              </a:ext>
+            </a:extLst>
+          </p:cNvPr>
+          <p:cNvSpPr txBox="1">
+            <a:spLocks/>
+          </p:cNvSpPr>
+          <p:nvPr/>
+        </p:nvSpPr>
+        <p:spPr>
+          <a:xfrm>
+            <a:off x="457200" y="1038199"/>
+            <a:ext cx="8229600" cy="4525963"/>
+          </a:xfrm>
+          <a:prstGeom prst="rect">
+            <a:avLst/>
+          </a:prstGeom>
+        </p:spPr>
+        <p:txBody>
+          <a:bodyPr vert="horz" lIns="91440" tIns="45720" rIns="91440" bIns="45720" rtlCol="0">
+            <a:noAutofit/>
+          </a:bodyPr>
+          <a:lstStyle>
+            <a:lvl1pPr marL="0" indent="0" algn="ctr" defTabSz="457200" rtl="0" eaLnBrk="1" latinLnBrk="0" hangingPunct="1">
+              <a:spcBef>
+                <a:spcPct val="20000"/>
+              </a:spcBef>
+              <a:buFont typeface="Arial"/>
+              <a:buNone/>
+              <a:defRPr sz="3200" kern="1200">
+                <a:solidFill>
+                  <a:schemeClr val="tx1">
+                    <a:tint val="75000"/>
+                  </a:schemeClr>
+                </a:solidFill>
+                <a:latin typeface="+mn-lt"/>
+                <a:ea typeface="+mn-ea"/>
+                <a:cs typeface="+mn-cs"/>
+              </a:defRPr>
+            </a:lvl1pPr>
+            <a:lvl2pPr marL="457200" indent="0" algn="ctr" defTabSz="457200" rtl="0" eaLnBrk="1" latinLnBrk="0" hangingPunct="1">
+              <a:spcBef>
+                <a:spcPct val="20000"/>
+              </a:spcBef>
+              <a:buFont typeface="Arial"/>
+              <a:buNone/>
+              <a:defRPr sz="2800" kern="1200">
+                <a:solidFill>
+                  <a:schemeClr val="tx1">
+                    <a:tint val="75000"/>
+                  </a:schemeClr>
+                </a:solidFill>
+                <a:latin typeface="+mn-lt"/>
+                <a:ea typeface="+mn-ea"/>
+                <a:cs typeface="+mn-cs"/>
+              </a:defRPr>
+            </a:lvl2pPr>
+            <a:lvl3pPr marL="914400" indent="0" algn="ctr" defTabSz="457200" rtl="0" eaLnBrk="1" latinLnBrk="0" hangingPunct="1">
+              <a:spcBef>
+                <a:spcPct val="20000"/>
+              </a:spcBef>
+              <a:buFont typeface="Arial"/>
+              <a:buNone/>
+              <a:defRPr sz="2400" kern="1200">
+                <a:solidFill>
+                  <a:schemeClr val="tx1">
+                    <a:tint val="75000"/>
+                  </a:schemeClr>
+                </a:solidFill>
+                <a:latin typeface="+mn-lt"/>
+                <a:ea typeface="+mn-ea"/>
+                <a:cs typeface="+mn-cs"/>
+              </a:defRPr>
+            </a:lvl3pPr>
+            <a:lvl4pPr marL="1371600" indent="0" algn="ctr" defTabSz="457200" rtl="0" eaLnBrk="1" latinLnBrk="0" hangingPunct="1">
+              <a:spcBef>
+                <a:spcPct val="20000"/>
+              </a:spcBef>
+              <a:buFont typeface="Arial"/>
+              <a:buNone/>
+              <a:defRPr sz="2000" kern="1200">
+                <a:solidFill>
+                  <a:schemeClr val="tx1">
+                    <a:tint val="75000"/>
+                  </a:schemeClr>
+                </a:solidFill>
+                <a:latin typeface="+mn-lt"/>
+                <a:ea typeface="+mn-ea"/>
+                <a:cs typeface="+mn-cs"/>
+              </a:defRPr>
+            </a:lvl4pPr>
+            <a:lvl5pPr marL="1828800" indent="0" algn="ctr" defTabSz="457200" rtl="0" eaLnBrk="1" latinLnBrk="0" hangingPunct="1">
+              <a:spcBef>
+                <a:spcPct val="20000"/>
+              </a:spcBef>
+              <a:buFont typeface="Arial"/>
+              <a:buNone/>
+              <a:defRPr sz="2000" kern="1200">
+                <a:solidFill>
+                  <a:schemeClr val="tx1">
+                    <a:tint val="75000"/>
+                  </a:schemeClr>
+                </a:solidFill>
+                <a:latin typeface="+mn-lt"/>
+                <a:ea typeface="+mn-ea"/>
+                <a:cs typeface="+mn-cs"/>
+              </a:defRPr>
+            </a:lvl5pPr>
+            <a:lvl6pPr marL="2286000" indent="0" algn="ctr" defTabSz="457200" rtl="0" eaLnBrk="1" latinLnBrk="0" hangingPunct="1">
+              <a:spcBef>
+                <a:spcPct val="20000"/>
+              </a:spcBef>
+              <a:buFont typeface="Arial"/>
+              <a:buNone/>
+              <a:defRPr sz="2000" kern="1200">
+                <a:solidFill>
+                  <a:schemeClr val="tx1">
+                    <a:tint val="75000"/>
+                  </a:schemeClr>
+                </a:solidFill>
+                <a:latin typeface="+mn-lt"/>
+                <a:ea typeface="+mn-ea"/>
+                <a:cs typeface="+mn-cs"/>
+              </a:defRPr>
+            </a:lvl6pPr>
+            <a:lvl7pPr marL="2743200" indent="0" algn="ctr" defTabSz="457200" rtl="0" eaLnBrk="1" latinLnBrk="0" hangingPunct="1">
+              <a:spcBef>
+                <a:spcPct val="20000"/>
+              </a:spcBef>
+              <a:buFont typeface="Arial"/>
+              <a:buNone/>
+              <a:defRPr sz="2000" kern="1200">
+                <a:solidFill>
+                  <a:schemeClr val="tx1">
+                    <a:tint val="75000"/>
+                  </a:schemeClr>
+                </a:solidFill>
+                <a:latin typeface="+mn-lt"/>
+                <a:ea typeface="+mn-ea"/>
+                <a:cs typeface="+mn-cs"/>
+              </a:defRPr>
+            </a:lvl7pPr>
+            <a:lvl8pPr marL="3200400" indent="0" algn="ctr" defTabSz="457200" rtl="0" eaLnBrk="1" latinLnBrk="0" hangingPunct="1">
+              <a:spcBef>
+                <a:spcPct val="20000"/>
+              </a:spcBef>
+              <a:buFont typeface="Arial"/>
+              <a:buNone/>
+              <a:defRPr sz="2000" kern="1200">
+                <a:solidFill>
+                  <a:schemeClr val="tx1">
+                    <a:tint val="75000"/>
+                  </a:schemeClr>
+                </a:solidFill>
+                <a:latin typeface="+mn-lt"/>
+                <a:ea typeface="+mn-ea"/>
+                <a:cs typeface="+mn-cs"/>
+              </a:defRPr>
+            </a:lvl8pPr>
+            <a:lvl9pPr marL="3657600" indent="0" algn="ctr" defTabSz="457200" rtl="0" eaLnBrk="1" latinLnBrk="0" hangingPunct="1">
+              <a:spcBef>
+                <a:spcPct val="20000"/>
+              </a:spcBef>
+              <a:buFont typeface="Arial"/>
+              <a:buNone/>
+              <a:defRPr sz="2000" kern="1200">
+                <a:solidFill>
+                  <a:schemeClr val="tx1">
+                    <a:tint val="75000"/>
+                  </a:schemeClr>
+                </a:solidFill>
+                <a:latin typeface="+mn-lt"/>
+                <a:ea typeface="+mn-ea"/>
+                <a:cs typeface="+mn-cs"/>
+              </a:defRPr>
+            </a:lvl9pPr>
+          </a:lstStyle>
+          <a:p>
+            <a:pPr marL="457200" indent="-457200" algn="l">
+              <a:buFont typeface="Arial" panose="020B0604020202020204" pitchFamily="34" charset="0"/>
+              <a:buChar char="•"/>
+            </a:pPr>
+            <a:r>
+              <a:rPr lang="en-IN" b="1" i="0" dirty="0">
+                <a:solidFill>
+                  <a:schemeClr val="tx1"/>
+                </a:solidFill>
+                <a:effectLst/>
+                <a:latin typeface="Söhne"/>
+              </a:rPr>
+              <a:t>Integration of Sensor Fusion for Environmental Awareness</a:t>
+            </a:r>
+            <a:r>
+              <a:rPr lang="en-IN" i="0" dirty="0">
+                <a:solidFill>
+                  <a:schemeClr val="tx1"/>
+                </a:solidFill>
+                <a:effectLst/>
+                <a:latin typeface="Söhne"/>
+              </a:rPr>
+              <a:t>: </a:t>
+            </a:r>
+            <a:r>
+              <a:rPr lang="en-IN" sz="3200" b="0" i="0" dirty="0">
+                <a:solidFill>
+                  <a:schemeClr val="tx1"/>
+                </a:solidFill>
+                <a:effectLst/>
+                <a:latin typeface="Söhne"/>
+              </a:rPr>
+              <a:t>Combine data from LiDAR and ultrasonic sensors to enhance the vehicle's environmental awareness.</a:t>
+            </a:r>
+          </a:p>
+          <a:p>
+            <a:pPr marL="457200" indent="-457200" algn="l">
+              <a:buFont typeface="Arial" panose="020B0604020202020204" pitchFamily="34" charset="0"/>
+              <a:buChar char="•"/>
+            </a:pPr>
+            <a:r>
+              <a:rPr lang="en-US" b="1" i="0" dirty="0">
+                <a:solidFill>
+                  <a:schemeClr val="tx1"/>
+                </a:solidFill>
+                <a:effectLst/>
+                <a:latin typeface="Söhne"/>
+              </a:rPr>
+              <a:t>Path Planning and Navigation Algorithms:</a:t>
+            </a:r>
+            <a:r>
+              <a:rPr lang="en-US" dirty="0">
+                <a:solidFill>
+                  <a:schemeClr val="tx1"/>
+                </a:solidFill>
+                <a:latin typeface="Söhne"/>
+              </a:rPr>
+              <a:t> </a:t>
+            </a:r>
+            <a:r>
+              <a:rPr lang="en-US" b="0" i="0" dirty="0">
+                <a:solidFill>
+                  <a:schemeClr val="tx1"/>
+                </a:solidFill>
+                <a:effectLst/>
+                <a:latin typeface="Söhne"/>
+              </a:rPr>
+              <a:t>Implement intelligent algorithms (e.g., A* or D*) for efficient path planning, considering obstacle avoidance and optimal route selection.</a:t>
+            </a:r>
+          </a:p>
+          <a:p>
+            <a:pPr marL="457200" indent="-457200" algn="l">
+              <a:buFont typeface="Arial" panose="020B0604020202020204" pitchFamily="34" charset="0"/>
+              <a:buChar char="•"/>
+            </a:pPr>
+            <a:endParaRPr lang="en-IN" sz="3200" b="0" i="0" dirty="0">
+              <a:solidFill>
+                <a:schemeClr val="tx1"/>
+              </a:solidFill>
+              <a:effectLst/>
+              <a:latin typeface="Söhne"/>
+            </a:endParaRPr>
           </a:p>
         </p:txBody>
       </p:sp>
     </p:spTree>
+    <p:extLst>
+      <p:ext uri="{BB962C8B-B14F-4D97-AF65-F5344CB8AC3E}">
+        <p14:creationId xmlns:p14="http://schemas.microsoft.com/office/powerpoint/2010/main" val="655835215"/>
+      </p:ext>
+    </p:extLst>
   </p:cSld>
   <p:clrMapOvr>
     <a:masterClrMapping/>
